--- a/demo/Demo.pptx
+++ b/demo/Demo.pptx
@@ -5,10 +5,10 @@
     <p:sldMasterId id="2147485495" r:id="rId1"/>
   </p:sldMasterIdLst>
   <p:notesMasterIdLst>
-    <p:notesMasterId r:id="rId12"/>
+    <p:notesMasterId r:id="rId21"/>
   </p:notesMasterIdLst>
   <p:handoutMasterIdLst>
-    <p:handoutMasterId r:id="rId13"/>
+    <p:handoutMasterId r:id="rId22"/>
   </p:handoutMasterIdLst>
   <p:sldIdLst>
     <p:sldId id="388" r:id="rId2"/>
@@ -19,8 +19,17 @@
     <p:sldId id="412" r:id="rId7"/>
     <p:sldId id="410" r:id="rId8"/>
     <p:sldId id="413" r:id="rId9"/>
-    <p:sldId id="367" r:id="rId10"/>
-    <p:sldId id="333" r:id="rId11"/>
+    <p:sldId id="414" r:id="rId10"/>
+    <p:sldId id="415" r:id="rId11"/>
+    <p:sldId id="416" r:id="rId12"/>
+    <p:sldId id="417" r:id="rId13"/>
+    <p:sldId id="418" r:id="rId14"/>
+    <p:sldId id="419" r:id="rId15"/>
+    <p:sldId id="420" r:id="rId16"/>
+    <p:sldId id="422" r:id="rId17"/>
+    <p:sldId id="421" r:id="rId18"/>
+    <p:sldId id="367" r:id="rId19"/>
+    <p:sldId id="333" r:id="rId20"/>
   </p:sldIdLst>
   <p:sldSz cx="9144000" cy="6858000" type="screen4x3"/>
   <p:notesSz cx="6858000" cy="9144000"/>
@@ -121,7 +130,7 @@
   </p:defaultTextStyle>
   <p:extLst>
     <p:ext uri="{EFAFB233-063F-42B5-8137-9DF3F51BA10A}">
-      <p15:sldGuideLst xmlns:p15="http://schemas.microsoft.com/office/powerpoint/2012/main">
+      <p15:sldGuideLst xmlns:p15="http://schemas.microsoft.com/office/powerpoint/2012/main" xmlns="">
         <p15:guide id="1" orient="horz" pos="2160">
           <p15:clr>
             <a:srgbClr val="A4A3A4"/>
@@ -221,7 +230,7 @@
             <a:fld id="{AEC239D8-9946-CA43-8D24-8F75F9EC746F}" type="datetimeFigureOut">
               <a:rPr lang="en-US" smtClean="0"/>
               <a:pPr/>
-              <a:t>27/10/2015</a:t>
+              <a:t>10/28/2015</a:t>
             </a:fld>
             <a:endParaRPr lang="en-US"/>
           </a:p>
@@ -389,7 +398,7 @@
             <a:fld id="{30D3C4F2-547F-4EAC-A4FB-1991884D518B}" type="datetimeFigureOut">
               <a:rPr lang="en-US" smtClean="0"/>
               <a:pPr/>
-              <a:t>27/10/2015</a:t>
+              <a:t>10/28/2015</a:t>
             </a:fld>
             <a:endParaRPr lang="en-US"/>
           </a:p>
@@ -746,6 +755,601 @@
 </p:notes>
 </file>
 
+<file path=ppt/notesSlides/notesSlide10.xml><?xml version="1.0" encoding="utf-8"?>
+<p:notes xmlns:a="http://schemas.openxmlformats.org/drawingml/2006/main" xmlns:r="http://schemas.openxmlformats.org/officeDocument/2006/relationships" xmlns:p="http://schemas.openxmlformats.org/presentationml/2006/main">
+  <p:cSld>
+    <p:spTree>
+      <p:nvGrpSpPr>
+        <p:cNvPr id="1" name=""/>
+        <p:cNvGrpSpPr/>
+        <p:nvPr/>
+      </p:nvGrpSpPr>
+      <p:grpSpPr>
+        <a:xfrm>
+          <a:off x="0" y="0"/>
+          <a:ext cx="0" cy="0"/>
+          <a:chOff x="0" y="0"/>
+          <a:chExt cx="0" cy="0"/>
+        </a:xfrm>
+      </p:grpSpPr>
+      <p:sp>
+        <p:nvSpPr>
+          <p:cNvPr id="2" name="Slide Image Placeholder 1"/>
+          <p:cNvSpPr>
+            <a:spLocks noGrp="1" noRot="1" noChangeAspect="1"/>
+          </p:cNvSpPr>
+          <p:nvPr>
+            <p:ph type="sldImg"/>
+          </p:nvPr>
+        </p:nvSpPr>
+        <p:spPr/>
+      </p:sp>
+      <p:sp>
+        <p:nvSpPr>
+          <p:cNvPr id="3" name="Notes Placeholder 2"/>
+          <p:cNvSpPr>
+            <a:spLocks noGrp="1"/>
+          </p:cNvSpPr>
+          <p:nvPr>
+            <p:ph type="body" idx="1"/>
+          </p:nvPr>
+        </p:nvSpPr>
+        <p:spPr/>
+        <p:txBody>
+          <a:bodyPr/>
+          <a:lstStyle/>
+          <a:p>
+            <a:endParaRPr lang="en-US" dirty="0"/>
+          </a:p>
+        </p:txBody>
+      </p:sp>
+      <p:sp>
+        <p:nvSpPr>
+          <p:cNvPr id="4" name="Slide Number Placeholder 3"/>
+          <p:cNvSpPr>
+            <a:spLocks noGrp="1"/>
+          </p:cNvSpPr>
+          <p:nvPr>
+            <p:ph type="sldNum" sz="quarter" idx="10"/>
+          </p:nvPr>
+        </p:nvSpPr>
+        <p:spPr/>
+        <p:txBody>
+          <a:bodyPr/>
+          <a:lstStyle/>
+          <a:p>
+            <a:fld id="{35845946-0CF3-4C0F-AF5C-F563F65A0652}" type="slidenum">
+              <a:rPr lang="en-US" smtClean="0"/>
+              <a:pPr/>
+              <a:t>11</a:t>
+            </a:fld>
+            <a:endParaRPr lang="en-US"/>
+          </a:p>
+        </p:txBody>
+      </p:sp>
+    </p:spTree>
+    <p:extLst>
+      <p:ext uri="{BB962C8B-B14F-4D97-AF65-F5344CB8AC3E}">
+        <p14:creationId xmlns:p14="http://schemas.microsoft.com/office/powerpoint/2010/main" val="3973517139"/>
+      </p:ext>
+    </p:extLst>
+  </p:cSld>
+  <p:clrMapOvr>
+    <a:masterClrMapping/>
+  </p:clrMapOvr>
+</p:notes>
+</file>
+
+<file path=ppt/notesSlides/notesSlide11.xml><?xml version="1.0" encoding="utf-8"?>
+<p:notes xmlns:a="http://schemas.openxmlformats.org/drawingml/2006/main" xmlns:r="http://schemas.openxmlformats.org/officeDocument/2006/relationships" xmlns:p="http://schemas.openxmlformats.org/presentationml/2006/main">
+  <p:cSld>
+    <p:spTree>
+      <p:nvGrpSpPr>
+        <p:cNvPr id="1" name=""/>
+        <p:cNvGrpSpPr/>
+        <p:nvPr/>
+      </p:nvGrpSpPr>
+      <p:grpSpPr>
+        <a:xfrm>
+          <a:off x="0" y="0"/>
+          <a:ext cx="0" cy="0"/>
+          <a:chOff x="0" y="0"/>
+          <a:chExt cx="0" cy="0"/>
+        </a:xfrm>
+      </p:grpSpPr>
+      <p:sp>
+        <p:nvSpPr>
+          <p:cNvPr id="2" name="Slide Image Placeholder 1"/>
+          <p:cNvSpPr>
+            <a:spLocks noGrp="1" noRot="1" noChangeAspect="1"/>
+          </p:cNvSpPr>
+          <p:nvPr>
+            <p:ph type="sldImg"/>
+          </p:nvPr>
+        </p:nvSpPr>
+        <p:spPr/>
+      </p:sp>
+      <p:sp>
+        <p:nvSpPr>
+          <p:cNvPr id="3" name="Notes Placeholder 2"/>
+          <p:cNvSpPr>
+            <a:spLocks noGrp="1"/>
+          </p:cNvSpPr>
+          <p:nvPr>
+            <p:ph type="body" idx="1"/>
+          </p:nvPr>
+        </p:nvSpPr>
+        <p:spPr/>
+        <p:txBody>
+          <a:bodyPr/>
+          <a:lstStyle/>
+          <a:p>
+            <a:endParaRPr lang="en-US" dirty="0"/>
+          </a:p>
+        </p:txBody>
+      </p:sp>
+      <p:sp>
+        <p:nvSpPr>
+          <p:cNvPr id="4" name="Slide Number Placeholder 3"/>
+          <p:cNvSpPr>
+            <a:spLocks noGrp="1"/>
+          </p:cNvSpPr>
+          <p:nvPr>
+            <p:ph type="sldNum" sz="quarter" idx="10"/>
+          </p:nvPr>
+        </p:nvSpPr>
+        <p:spPr/>
+        <p:txBody>
+          <a:bodyPr/>
+          <a:lstStyle/>
+          <a:p>
+            <a:fld id="{35845946-0CF3-4C0F-AF5C-F563F65A0652}" type="slidenum">
+              <a:rPr lang="en-US" smtClean="0"/>
+              <a:pPr/>
+              <a:t>12</a:t>
+            </a:fld>
+            <a:endParaRPr lang="en-US"/>
+          </a:p>
+        </p:txBody>
+      </p:sp>
+    </p:spTree>
+    <p:extLst>
+      <p:ext uri="{BB962C8B-B14F-4D97-AF65-F5344CB8AC3E}">
+        <p14:creationId xmlns:p14="http://schemas.microsoft.com/office/powerpoint/2010/main" val="3973517139"/>
+      </p:ext>
+    </p:extLst>
+  </p:cSld>
+  <p:clrMapOvr>
+    <a:masterClrMapping/>
+  </p:clrMapOvr>
+</p:notes>
+</file>
+
+<file path=ppt/notesSlides/notesSlide12.xml><?xml version="1.0" encoding="utf-8"?>
+<p:notes xmlns:a="http://schemas.openxmlformats.org/drawingml/2006/main" xmlns:r="http://schemas.openxmlformats.org/officeDocument/2006/relationships" xmlns:p="http://schemas.openxmlformats.org/presentationml/2006/main">
+  <p:cSld>
+    <p:spTree>
+      <p:nvGrpSpPr>
+        <p:cNvPr id="1" name=""/>
+        <p:cNvGrpSpPr/>
+        <p:nvPr/>
+      </p:nvGrpSpPr>
+      <p:grpSpPr>
+        <a:xfrm>
+          <a:off x="0" y="0"/>
+          <a:ext cx="0" cy="0"/>
+          <a:chOff x="0" y="0"/>
+          <a:chExt cx="0" cy="0"/>
+        </a:xfrm>
+      </p:grpSpPr>
+      <p:sp>
+        <p:nvSpPr>
+          <p:cNvPr id="2" name="Slide Image Placeholder 1"/>
+          <p:cNvSpPr>
+            <a:spLocks noGrp="1" noRot="1" noChangeAspect="1"/>
+          </p:cNvSpPr>
+          <p:nvPr>
+            <p:ph type="sldImg"/>
+          </p:nvPr>
+        </p:nvSpPr>
+        <p:spPr/>
+      </p:sp>
+      <p:sp>
+        <p:nvSpPr>
+          <p:cNvPr id="3" name="Notes Placeholder 2"/>
+          <p:cNvSpPr>
+            <a:spLocks noGrp="1"/>
+          </p:cNvSpPr>
+          <p:nvPr>
+            <p:ph type="body" idx="1"/>
+          </p:nvPr>
+        </p:nvSpPr>
+        <p:spPr/>
+        <p:txBody>
+          <a:bodyPr/>
+          <a:lstStyle/>
+          <a:p>
+            <a:endParaRPr lang="en-US" dirty="0"/>
+          </a:p>
+        </p:txBody>
+      </p:sp>
+      <p:sp>
+        <p:nvSpPr>
+          <p:cNvPr id="4" name="Slide Number Placeholder 3"/>
+          <p:cNvSpPr>
+            <a:spLocks noGrp="1"/>
+          </p:cNvSpPr>
+          <p:nvPr>
+            <p:ph type="sldNum" sz="quarter" idx="10"/>
+          </p:nvPr>
+        </p:nvSpPr>
+        <p:spPr/>
+        <p:txBody>
+          <a:bodyPr/>
+          <a:lstStyle/>
+          <a:p>
+            <a:fld id="{35845946-0CF3-4C0F-AF5C-F563F65A0652}" type="slidenum">
+              <a:rPr lang="en-US" smtClean="0"/>
+              <a:pPr/>
+              <a:t>13</a:t>
+            </a:fld>
+            <a:endParaRPr lang="en-US"/>
+          </a:p>
+        </p:txBody>
+      </p:sp>
+    </p:spTree>
+    <p:extLst>
+      <p:ext uri="{BB962C8B-B14F-4D97-AF65-F5344CB8AC3E}">
+        <p14:creationId xmlns:p14="http://schemas.microsoft.com/office/powerpoint/2010/main" val="3973517139"/>
+      </p:ext>
+    </p:extLst>
+  </p:cSld>
+  <p:clrMapOvr>
+    <a:masterClrMapping/>
+  </p:clrMapOvr>
+</p:notes>
+</file>
+
+<file path=ppt/notesSlides/notesSlide13.xml><?xml version="1.0" encoding="utf-8"?>
+<p:notes xmlns:a="http://schemas.openxmlformats.org/drawingml/2006/main" xmlns:r="http://schemas.openxmlformats.org/officeDocument/2006/relationships" xmlns:p="http://schemas.openxmlformats.org/presentationml/2006/main">
+  <p:cSld>
+    <p:spTree>
+      <p:nvGrpSpPr>
+        <p:cNvPr id="1" name=""/>
+        <p:cNvGrpSpPr/>
+        <p:nvPr/>
+      </p:nvGrpSpPr>
+      <p:grpSpPr>
+        <a:xfrm>
+          <a:off x="0" y="0"/>
+          <a:ext cx="0" cy="0"/>
+          <a:chOff x="0" y="0"/>
+          <a:chExt cx="0" cy="0"/>
+        </a:xfrm>
+      </p:grpSpPr>
+      <p:sp>
+        <p:nvSpPr>
+          <p:cNvPr id="2" name="Slide Image Placeholder 1"/>
+          <p:cNvSpPr>
+            <a:spLocks noGrp="1" noRot="1" noChangeAspect="1"/>
+          </p:cNvSpPr>
+          <p:nvPr>
+            <p:ph type="sldImg"/>
+          </p:nvPr>
+        </p:nvSpPr>
+        <p:spPr/>
+      </p:sp>
+      <p:sp>
+        <p:nvSpPr>
+          <p:cNvPr id="3" name="Notes Placeholder 2"/>
+          <p:cNvSpPr>
+            <a:spLocks noGrp="1"/>
+          </p:cNvSpPr>
+          <p:nvPr>
+            <p:ph type="body" idx="1"/>
+          </p:nvPr>
+        </p:nvSpPr>
+        <p:spPr/>
+        <p:txBody>
+          <a:bodyPr/>
+          <a:lstStyle/>
+          <a:p>
+            <a:endParaRPr lang="en-US" dirty="0"/>
+          </a:p>
+        </p:txBody>
+      </p:sp>
+      <p:sp>
+        <p:nvSpPr>
+          <p:cNvPr id="4" name="Slide Number Placeholder 3"/>
+          <p:cNvSpPr>
+            <a:spLocks noGrp="1"/>
+          </p:cNvSpPr>
+          <p:nvPr>
+            <p:ph type="sldNum" sz="quarter" idx="10"/>
+          </p:nvPr>
+        </p:nvSpPr>
+        <p:spPr/>
+        <p:txBody>
+          <a:bodyPr/>
+          <a:lstStyle/>
+          <a:p>
+            <a:fld id="{35845946-0CF3-4C0F-AF5C-F563F65A0652}" type="slidenum">
+              <a:rPr lang="en-US" smtClean="0"/>
+              <a:pPr/>
+              <a:t>14</a:t>
+            </a:fld>
+            <a:endParaRPr lang="en-US"/>
+          </a:p>
+        </p:txBody>
+      </p:sp>
+    </p:spTree>
+    <p:extLst>
+      <p:ext uri="{BB962C8B-B14F-4D97-AF65-F5344CB8AC3E}">
+        <p14:creationId xmlns:p14="http://schemas.microsoft.com/office/powerpoint/2010/main" val="3973517139"/>
+      </p:ext>
+    </p:extLst>
+  </p:cSld>
+  <p:clrMapOvr>
+    <a:masterClrMapping/>
+  </p:clrMapOvr>
+</p:notes>
+</file>
+
+<file path=ppt/notesSlides/notesSlide14.xml><?xml version="1.0" encoding="utf-8"?>
+<p:notes xmlns:a="http://schemas.openxmlformats.org/drawingml/2006/main" xmlns:r="http://schemas.openxmlformats.org/officeDocument/2006/relationships" xmlns:p="http://schemas.openxmlformats.org/presentationml/2006/main">
+  <p:cSld>
+    <p:spTree>
+      <p:nvGrpSpPr>
+        <p:cNvPr id="1" name=""/>
+        <p:cNvGrpSpPr/>
+        <p:nvPr/>
+      </p:nvGrpSpPr>
+      <p:grpSpPr>
+        <a:xfrm>
+          <a:off x="0" y="0"/>
+          <a:ext cx="0" cy="0"/>
+          <a:chOff x="0" y="0"/>
+          <a:chExt cx="0" cy="0"/>
+        </a:xfrm>
+      </p:grpSpPr>
+      <p:sp>
+        <p:nvSpPr>
+          <p:cNvPr id="2" name="Slide Image Placeholder 1"/>
+          <p:cNvSpPr>
+            <a:spLocks noGrp="1" noRot="1" noChangeAspect="1"/>
+          </p:cNvSpPr>
+          <p:nvPr>
+            <p:ph type="sldImg"/>
+          </p:nvPr>
+        </p:nvSpPr>
+        <p:spPr/>
+      </p:sp>
+      <p:sp>
+        <p:nvSpPr>
+          <p:cNvPr id="3" name="Notes Placeholder 2"/>
+          <p:cNvSpPr>
+            <a:spLocks noGrp="1"/>
+          </p:cNvSpPr>
+          <p:nvPr>
+            <p:ph type="body" idx="1"/>
+          </p:nvPr>
+        </p:nvSpPr>
+        <p:spPr/>
+        <p:txBody>
+          <a:bodyPr/>
+          <a:lstStyle/>
+          <a:p>
+            <a:endParaRPr lang="en-US" dirty="0"/>
+          </a:p>
+        </p:txBody>
+      </p:sp>
+      <p:sp>
+        <p:nvSpPr>
+          <p:cNvPr id="4" name="Slide Number Placeholder 3"/>
+          <p:cNvSpPr>
+            <a:spLocks noGrp="1"/>
+          </p:cNvSpPr>
+          <p:nvPr>
+            <p:ph type="sldNum" sz="quarter" idx="10"/>
+          </p:nvPr>
+        </p:nvSpPr>
+        <p:spPr/>
+        <p:txBody>
+          <a:bodyPr/>
+          <a:lstStyle/>
+          <a:p>
+            <a:fld id="{35845946-0CF3-4C0F-AF5C-F563F65A0652}" type="slidenum">
+              <a:rPr lang="en-US" smtClean="0"/>
+              <a:pPr/>
+              <a:t>15</a:t>
+            </a:fld>
+            <a:endParaRPr lang="en-US"/>
+          </a:p>
+        </p:txBody>
+      </p:sp>
+    </p:spTree>
+    <p:extLst>
+      <p:ext uri="{BB962C8B-B14F-4D97-AF65-F5344CB8AC3E}">
+        <p14:creationId xmlns:p14="http://schemas.microsoft.com/office/powerpoint/2010/main" val="2015224362"/>
+      </p:ext>
+    </p:extLst>
+  </p:cSld>
+  <p:clrMapOvr>
+    <a:masterClrMapping/>
+  </p:clrMapOvr>
+</p:notes>
+</file>
+
+<file path=ppt/notesSlides/notesSlide15.xml><?xml version="1.0" encoding="utf-8"?>
+<p:notes xmlns:a="http://schemas.openxmlformats.org/drawingml/2006/main" xmlns:r="http://schemas.openxmlformats.org/officeDocument/2006/relationships" xmlns:p="http://schemas.openxmlformats.org/presentationml/2006/main">
+  <p:cSld>
+    <p:spTree>
+      <p:nvGrpSpPr>
+        <p:cNvPr id="1" name=""/>
+        <p:cNvGrpSpPr/>
+        <p:nvPr/>
+      </p:nvGrpSpPr>
+      <p:grpSpPr>
+        <a:xfrm>
+          <a:off x="0" y="0"/>
+          <a:ext cx="0" cy="0"/>
+          <a:chOff x="0" y="0"/>
+          <a:chExt cx="0" cy="0"/>
+        </a:xfrm>
+      </p:grpSpPr>
+      <p:sp>
+        <p:nvSpPr>
+          <p:cNvPr id="2" name="Slide Image Placeholder 1"/>
+          <p:cNvSpPr>
+            <a:spLocks noGrp="1" noRot="1" noChangeAspect="1"/>
+          </p:cNvSpPr>
+          <p:nvPr>
+            <p:ph type="sldImg"/>
+          </p:nvPr>
+        </p:nvSpPr>
+        <p:spPr/>
+      </p:sp>
+      <p:sp>
+        <p:nvSpPr>
+          <p:cNvPr id="3" name="Notes Placeholder 2"/>
+          <p:cNvSpPr>
+            <a:spLocks noGrp="1"/>
+          </p:cNvSpPr>
+          <p:nvPr>
+            <p:ph type="body" idx="1"/>
+          </p:nvPr>
+        </p:nvSpPr>
+        <p:spPr/>
+        <p:txBody>
+          <a:bodyPr/>
+          <a:lstStyle/>
+          <a:p>
+            <a:endParaRPr lang="en-US" dirty="0"/>
+          </a:p>
+        </p:txBody>
+      </p:sp>
+      <p:sp>
+        <p:nvSpPr>
+          <p:cNvPr id="4" name="Slide Number Placeholder 3"/>
+          <p:cNvSpPr>
+            <a:spLocks noGrp="1"/>
+          </p:cNvSpPr>
+          <p:nvPr>
+            <p:ph type="sldNum" sz="quarter" idx="10"/>
+          </p:nvPr>
+        </p:nvSpPr>
+        <p:spPr/>
+        <p:txBody>
+          <a:bodyPr/>
+          <a:lstStyle/>
+          <a:p>
+            <a:fld id="{35845946-0CF3-4C0F-AF5C-F563F65A0652}" type="slidenum">
+              <a:rPr lang="en-US" smtClean="0"/>
+              <a:pPr/>
+              <a:t>16</a:t>
+            </a:fld>
+            <a:endParaRPr lang="en-US"/>
+          </a:p>
+        </p:txBody>
+      </p:sp>
+    </p:spTree>
+    <p:extLst>
+      <p:ext uri="{BB962C8B-B14F-4D97-AF65-F5344CB8AC3E}">
+        <p14:creationId xmlns:p14="http://schemas.microsoft.com/office/powerpoint/2010/main" val="2015224362"/>
+      </p:ext>
+    </p:extLst>
+  </p:cSld>
+  <p:clrMapOvr>
+    <a:masterClrMapping/>
+  </p:clrMapOvr>
+</p:notes>
+</file>
+
+<file path=ppt/notesSlides/notesSlide16.xml><?xml version="1.0" encoding="utf-8"?>
+<p:notes xmlns:a="http://schemas.openxmlformats.org/drawingml/2006/main" xmlns:r="http://schemas.openxmlformats.org/officeDocument/2006/relationships" xmlns:p="http://schemas.openxmlformats.org/presentationml/2006/main">
+  <p:cSld>
+    <p:spTree>
+      <p:nvGrpSpPr>
+        <p:cNvPr id="1" name=""/>
+        <p:cNvGrpSpPr/>
+        <p:nvPr/>
+      </p:nvGrpSpPr>
+      <p:grpSpPr>
+        <a:xfrm>
+          <a:off x="0" y="0"/>
+          <a:ext cx="0" cy="0"/>
+          <a:chOff x="0" y="0"/>
+          <a:chExt cx="0" cy="0"/>
+        </a:xfrm>
+      </p:grpSpPr>
+      <p:sp>
+        <p:nvSpPr>
+          <p:cNvPr id="2" name="Slide Image Placeholder 1"/>
+          <p:cNvSpPr>
+            <a:spLocks noGrp="1" noRot="1" noChangeAspect="1"/>
+          </p:cNvSpPr>
+          <p:nvPr>
+            <p:ph type="sldImg"/>
+          </p:nvPr>
+        </p:nvSpPr>
+        <p:spPr/>
+      </p:sp>
+      <p:sp>
+        <p:nvSpPr>
+          <p:cNvPr id="3" name="Notes Placeholder 2"/>
+          <p:cNvSpPr>
+            <a:spLocks noGrp="1"/>
+          </p:cNvSpPr>
+          <p:nvPr>
+            <p:ph type="body" idx="1"/>
+          </p:nvPr>
+        </p:nvSpPr>
+        <p:spPr/>
+        <p:txBody>
+          <a:bodyPr/>
+          <a:lstStyle/>
+          <a:p>
+            <a:endParaRPr lang="en-US" dirty="0"/>
+          </a:p>
+        </p:txBody>
+      </p:sp>
+      <p:sp>
+        <p:nvSpPr>
+          <p:cNvPr id="4" name="Slide Number Placeholder 3"/>
+          <p:cNvSpPr>
+            <a:spLocks noGrp="1"/>
+          </p:cNvSpPr>
+          <p:nvPr>
+            <p:ph type="sldNum" sz="quarter" idx="10"/>
+          </p:nvPr>
+        </p:nvSpPr>
+        <p:spPr/>
+        <p:txBody>
+          <a:bodyPr/>
+          <a:lstStyle/>
+          <a:p>
+            <a:fld id="{35845946-0CF3-4C0F-AF5C-F563F65A0652}" type="slidenum">
+              <a:rPr lang="en-US" smtClean="0"/>
+              <a:pPr/>
+              <a:t>17</a:t>
+            </a:fld>
+            <a:endParaRPr lang="en-US"/>
+          </a:p>
+        </p:txBody>
+      </p:sp>
+    </p:spTree>
+    <p:extLst>
+      <p:ext uri="{BB962C8B-B14F-4D97-AF65-F5344CB8AC3E}">
+        <p14:creationId xmlns:p14="http://schemas.microsoft.com/office/powerpoint/2010/main" val="2015224362"/>
+      </p:ext>
+    </p:extLst>
+  </p:cSld>
+  <p:clrMapOvr>
+    <a:masterClrMapping/>
+  </p:clrMapOvr>
+</p:notes>
+</file>
+
 <file path=ppt/notesSlides/notesSlide2.xml><?xml version="1.0" encoding="utf-8"?>
 <p:notes xmlns:a="http://schemas.openxmlformats.org/drawingml/2006/main" xmlns:r="http://schemas.openxmlformats.org/officeDocument/2006/relationships" xmlns:p="http://schemas.openxmlformats.org/presentationml/2006/main">
   <p:cSld>
@@ -1238,6 +1842,176 @@
               <a:rPr lang="en-US" smtClean="0"/>
               <a:pPr/>
               <a:t>8</a:t>
+            </a:fld>
+            <a:endParaRPr lang="en-US"/>
+          </a:p>
+        </p:txBody>
+      </p:sp>
+    </p:spTree>
+    <p:extLst>
+      <p:ext uri="{BB962C8B-B14F-4D97-AF65-F5344CB8AC3E}">
+        <p14:creationId xmlns:p14="http://schemas.microsoft.com/office/powerpoint/2010/main" val="3973517139"/>
+      </p:ext>
+    </p:extLst>
+  </p:cSld>
+  <p:clrMapOvr>
+    <a:masterClrMapping/>
+  </p:clrMapOvr>
+</p:notes>
+</file>
+
+<file path=ppt/notesSlides/notesSlide8.xml><?xml version="1.0" encoding="utf-8"?>
+<p:notes xmlns:a="http://schemas.openxmlformats.org/drawingml/2006/main" xmlns:r="http://schemas.openxmlformats.org/officeDocument/2006/relationships" xmlns:p="http://schemas.openxmlformats.org/presentationml/2006/main">
+  <p:cSld>
+    <p:spTree>
+      <p:nvGrpSpPr>
+        <p:cNvPr id="1" name=""/>
+        <p:cNvGrpSpPr/>
+        <p:nvPr/>
+      </p:nvGrpSpPr>
+      <p:grpSpPr>
+        <a:xfrm>
+          <a:off x="0" y="0"/>
+          <a:ext cx="0" cy="0"/>
+          <a:chOff x="0" y="0"/>
+          <a:chExt cx="0" cy="0"/>
+        </a:xfrm>
+      </p:grpSpPr>
+      <p:sp>
+        <p:nvSpPr>
+          <p:cNvPr id="2" name="Slide Image Placeholder 1"/>
+          <p:cNvSpPr>
+            <a:spLocks noGrp="1" noRot="1" noChangeAspect="1"/>
+          </p:cNvSpPr>
+          <p:nvPr>
+            <p:ph type="sldImg"/>
+          </p:nvPr>
+        </p:nvSpPr>
+        <p:spPr/>
+      </p:sp>
+      <p:sp>
+        <p:nvSpPr>
+          <p:cNvPr id="3" name="Notes Placeholder 2"/>
+          <p:cNvSpPr>
+            <a:spLocks noGrp="1"/>
+          </p:cNvSpPr>
+          <p:nvPr>
+            <p:ph type="body" idx="1"/>
+          </p:nvPr>
+        </p:nvSpPr>
+        <p:spPr/>
+        <p:txBody>
+          <a:bodyPr/>
+          <a:lstStyle/>
+          <a:p>
+            <a:endParaRPr lang="en-US" dirty="0"/>
+          </a:p>
+        </p:txBody>
+      </p:sp>
+      <p:sp>
+        <p:nvSpPr>
+          <p:cNvPr id="4" name="Slide Number Placeholder 3"/>
+          <p:cNvSpPr>
+            <a:spLocks noGrp="1"/>
+          </p:cNvSpPr>
+          <p:nvPr>
+            <p:ph type="sldNum" sz="quarter" idx="10"/>
+          </p:nvPr>
+        </p:nvSpPr>
+        <p:spPr/>
+        <p:txBody>
+          <a:bodyPr/>
+          <a:lstStyle/>
+          <a:p>
+            <a:fld id="{35845946-0CF3-4C0F-AF5C-F563F65A0652}" type="slidenum">
+              <a:rPr lang="en-US" smtClean="0"/>
+              <a:pPr/>
+              <a:t>9</a:t>
+            </a:fld>
+            <a:endParaRPr lang="en-US"/>
+          </a:p>
+        </p:txBody>
+      </p:sp>
+    </p:spTree>
+    <p:extLst>
+      <p:ext uri="{BB962C8B-B14F-4D97-AF65-F5344CB8AC3E}">
+        <p14:creationId xmlns:p14="http://schemas.microsoft.com/office/powerpoint/2010/main" val="3973517139"/>
+      </p:ext>
+    </p:extLst>
+  </p:cSld>
+  <p:clrMapOvr>
+    <a:masterClrMapping/>
+  </p:clrMapOvr>
+</p:notes>
+</file>
+
+<file path=ppt/notesSlides/notesSlide9.xml><?xml version="1.0" encoding="utf-8"?>
+<p:notes xmlns:a="http://schemas.openxmlformats.org/drawingml/2006/main" xmlns:r="http://schemas.openxmlformats.org/officeDocument/2006/relationships" xmlns:p="http://schemas.openxmlformats.org/presentationml/2006/main">
+  <p:cSld>
+    <p:spTree>
+      <p:nvGrpSpPr>
+        <p:cNvPr id="1" name=""/>
+        <p:cNvGrpSpPr/>
+        <p:nvPr/>
+      </p:nvGrpSpPr>
+      <p:grpSpPr>
+        <a:xfrm>
+          <a:off x="0" y="0"/>
+          <a:ext cx="0" cy="0"/>
+          <a:chOff x="0" y="0"/>
+          <a:chExt cx="0" cy="0"/>
+        </a:xfrm>
+      </p:grpSpPr>
+      <p:sp>
+        <p:nvSpPr>
+          <p:cNvPr id="2" name="Slide Image Placeholder 1"/>
+          <p:cNvSpPr>
+            <a:spLocks noGrp="1" noRot="1" noChangeAspect="1"/>
+          </p:cNvSpPr>
+          <p:nvPr>
+            <p:ph type="sldImg"/>
+          </p:nvPr>
+        </p:nvSpPr>
+        <p:spPr/>
+      </p:sp>
+      <p:sp>
+        <p:nvSpPr>
+          <p:cNvPr id="3" name="Notes Placeholder 2"/>
+          <p:cNvSpPr>
+            <a:spLocks noGrp="1"/>
+          </p:cNvSpPr>
+          <p:nvPr>
+            <p:ph type="body" idx="1"/>
+          </p:nvPr>
+        </p:nvSpPr>
+        <p:spPr/>
+        <p:txBody>
+          <a:bodyPr/>
+          <a:lstStyle/>
+          <a:p>
+            <a:endParaRPr lang="en-US" dirty="0"/>
+          </a:p>
+        </p:txBody>
+      </p:sp>
+      <p:sp>
+        <p:nvSpPr>
+          <p:cNvPr id="4" name="Slide Number Placeholder 3"/>
+          <p:cNvSpPr>
+            <a:spLocks noGrp="1"/>
+          </p:cNvSpPr>
+          <p:nvPr>
+            <p:ph type="sldNum" sz="quarter" idx="10"/>
+          </p:nvPr>
+        </p:nvSpPr>
+        <p:spPr/>
+        <p:txBody>
+          <a:bodyPr/>
+          <a:lstStyle/>
+          <a:p>
+            <a:fld id="{35845946-0CF3-4C0F-AF5C-F563F65A0652}" type="slidenum">
+              <a:rPr lang="en-US" smtClean="0"/>
+              <a:pPr/>
+              <a:t>10</a:t>
             </a:fld>
             <a:endParaRPr lang="en-US"/>
           </a:p>
@@ -1442,7 +2216,7 @@
             <a:fld id="{8695E4D3-92F1-F74E-BDA8-3EA24612ADAC}" type="datetime2">
               <a:rPr lang="en-US" smtClean="0"/>
               <a:pPr/>
-              <a:t>Tuesday, October 27, 2015</a:t>
+              <a:t>Wednesday, October 28, 2015</a:t>
             </a:fld>
             <a:endParaRPr lang="en-US"/>
           </a:p>
@@ -1637,7 +2411,7 @@
             <a:fld id="{9358C7B7-FC72-9D41-BEE1-BB86D4F232B4}" type="datetime2">
               <a:rPr lang="en-US" smtClean="0"/>
               <a:pPr/>
-              <a:t>Tuesday, October 27, 2015</a:t>
+              <a:t>Wednesday, October 28, 2015</a:t>
             </a:fld>
             <a:endParaRPr lang="en-US"/>
           </a:p>
@@ -1842,7 +2616,7 @@
             <a:fld id="{556E821B-96E8-764D-BF74-9827494534E4}" type="datetime2">
               <a:rPr lang="en-US" smtClean="0"/>
               <a:pPr/>
-              <a:t>Tuesday, October 27, 2015</a:t>
+              <a:t>Wednesday, October 28, 2015</a:t>
             </a:fld>
             <a:endParaRPr lang="en-US"/>
           </a:p>
@@ -2047,7 +2821,7 @@
             <a:fld id="{D8D89BD2-8F64-7D49-B0EC-A10964D418B9}" type="datetime2">
               <a:rPr lang="en-US" smtClean="0"/>
               <a:pPr/>
-              <a:t>Tuesday, October 27, 2015</a:t>
+              <a:t>Wednesday, October 28, 2015</a:t>
             </a:fld>
             <a:endParaRPr lang="en-US"/>
           </a:p>
@@ -2318,7 +3092,7 @@
             <a:fld id="{5166F277-A6C8-D74E-AD9A-DEDC5E2BD837}" type="datetime2">
               <a:rPr lang="en-US" smtClean="0"/>
               <a:pPr/>
-              <a:t>Tuesday, October 27, 2015</a:t>
+              <a:t>Wednesday, October 28, 2015</a:t>
             </a:fld>
             <a:endParaRPr lang="en-US"/>
           </a:p>
@@ -2636,7 +3410,7 @@
             <a:fld id="{68B6B04E-5C92-7445-BA45-A4E3769C0C5A}" type="datetime2">
               <a:rPr lang="en-US" smtClean="0"/>
               <a:pPr/>
-              <a:t>Tuesday, October 27, 2015</a:t>
+              <a:t>Wednesday, October 28, 2015</a:t>
             </a:fld>
             <a:endParaRPr lang="en-US"/>
           </a:p>
@@ -3088,7 +3862,7 @@
             <a:fld id="{A48670BD-E6C9-264B-B690-760DD144ACC6}" type="datetime2">
               <a:rPr lang="en-US" smtClean="0"/>
               <a:pPr/>
-              <a:t>Tuesday, October 27, 2015</a:t>
+              <a:t>Wednesday, October 28, 2015</a:t>
             </a:fld>
             <a:endParaRPr lang="en-US"/>
           </a:p>
@@ -3236,7 +4010,7 @@
             <a:fld id="{30675A36-41C1-3640-8C6B-1BC6AFC60484}" type="datetime2">
               <a:rPr lang="en-US" smtClean="0"/>
               <a:pPr/>
-              <a:t>Tuesday, October 27, 2015</a:t>
+              <a:t>Wednesday, October 28, 2015</a:t>
             </a:fld>
             <a:endParaRPr lang="en-US"/>
           </a:p>
@@ -3356,7 +4130,7 @@
             <a:fld id="{937F365B-D897-1947-952A-6C45D93ACDC1}" type="datetime2">
               <a:rPr lang="en-US" smtClean="0"/>
               <a:pPr/>
-              <a:t>Tuesday, October 27, 2015</a:t>
+              <a:t>Wednesday, October 28, 2015</a:t>
             </a:fld>
             <a:endParaRPr lang="en-US"/>
           </a:p>
@@ -3658,7 +4432,7 @@
             <a:fld id="{2BEF7792-C4C4-FC44-A7F5-725EC2CD30B1}" type="datetime2">
               <a:rPr lang="en-US" smtClean="0"/>
               <a:pPr/>
-              <a:t>Tuesday, October 27, 2015</a:t>
+              <a:t>Wednesday, October 28, 2015</a:t>
             </a:fld>
             <a:endParaRPr lang="en-US"/>
           </a:p>
@@ -3943,7 +4717,7 @@
             <a:fld id="{EC13829E-7EE3-3944-BE84-808F00A9FAF3}" type="datetime2">
               <a:rPr lang="en-US" smtClean="0"/>
               <a:pPr/>
-              <a:t>Tuesday, October 27, 2015</a:t>
+              <a:t>Wednesday, October 28, 2015</a:t>
             </a:fld>
             <a:endParaRPr lang="en-US"/>
           </a:p>
@@ -4209,7 +4983,7 @@
             <a:fld id="{92714F1E-B45D-F141-BCEC-0A4A490D9DB7}" type="datetime2">
               <a:rPr lang="en-US" smtClean="0"/>
               <a:pPr/>
-              <a:t>Tuesday, October 27, 2015</a:t>
+              <a:t>Wednesday, October 28, 2015</a:t>
             </a:fld>
             <a:endParaRPr lang="en-US" dirty="0"/>
           </a:p>
@@ -4775,29 +5549,8 @@
                   <a:reflection blurRad="12700" stA="50000" endPos="50000" dist="5000" dir="5400000" sy="-100000" rotWithShape="0"/>
                 </a:effectLst>
               </a:rPr>
-              <a:t>Demo</a:t>
-            </a:r>
-            <a:r>
-              <a:rPr lang="en-US" sz="6600" b="1" cap="all" dirty="0" smtClean="0">
-                <a:ln w="0"/>
-                <a:solidFill>
-                  <a:srgbClr val="0070C0"/>
-                </a:solidFill>
-                <a:effectLst>
-                  <a:reflection blurRad="12700" stA="50000" endPos="50000" dist="5000" dir="5400000" sy="-100000" rotWithShape="0"/>
-                </a:effectLst>
-              </a:rPr>
-              <a:t>	</a:t>
-            </a:r>
-            <a:endParaRPr lang="en-US" sz="6600" b="1" cap="all" dirty="0" smtClean="0">
-              <a:ln w="0"/>
-              <a:solidFill>
-                <a:srgbClr val="0070C0"/>
-              </a:solidFill>
-              <a:effectLst>
-                <a:reflection blurRad="12700" stA="50000" endPos="50000" dist="5000" dir="5400000" sy="-100000" rotWithShape="0"/>
-              </a:effectLst>
-            </a:endParaRPr>
+              <a:t>Demo	</a:t>
+            </a:r>
           </a:p>
           <a:p>
             <a:pPr marL="0" indent="0" algn="ctr">
@@ -4889,6 +5642,1746 @@
             <a:spLocks noGrp="1"/>
           </p:cNvSpPr>
           <p:nvPr>
+            <p:ph type="title"/>
+          </p:nvPr>
+        </p:nvSpPr>
+        <p:spPr>
+          <a:xfrm>
+            <a:off x="457200" y="554819"/>
+            <a:ext cx="8229600" cy="739014"/>
+          </a:xfrm>
+        </p:spPr>
+        <p:txBody>
+          <a:bodyPr/>
+          <a:lstStyle/>
+          <a:p>
+            <a:r>
+              <a:rPr lang="en-US" dirty="0" smtClean="0">
+                <a:latin typeface="Calibri" panose="020F0502020204030204" pitchFamily="34" charset="0"/>
+              </a:rPr>
+              <a:t>Test Doubles</a:t>
+            </a:r>
+            <a:endParaRPr lang="en-US" dirty="0">
+              <a:latin typeface="Calibri" panose="020F0502020204030204" pitchFamily="34" charset="0"/>
+            </a:endParaRPr>
+          </a:p>
+        </p:txBody>
+      </p:sp>
+      <p:sp>
+        <p:nvSpPr>
+          <p:cNvPr id="3" name="Content Placeholder 2"/>
+          <p:cNvSpPr>
+            <a:spLocks noGrp="1"/>
+          </p:cNvSpPr>
+          <p:nvPr>
+            <p:ph idx="1"/>
+          </p:nvPr>
+        </p:nvSpPr>
+        <p:spPr>
+          <a:xfrm>
+            <a:off x="457200" y="1811743"/>
+            <a:ext cx="8229600" cy="4157663"/>
+          </a:xfrm>
+        </p:spPr>
+        <p:txBody>
+          <a:bodyPr/>
+          <a:lstStyle/>
+          <a:p>
+            <a:pPr marL="0" indent="0">
+              <a:buNone/>
+            </a:pPr>
+            <a:r>
+              <a:rPr lang="en-US" sz="3000" dirty="0">
+                <a:latin typeface="Calibri" panose="020F0502020204030204" pitchFamily="34" charset="0"/>
+              </a:rPr>
+              <a:t/>
+            </a:r>
+            <a:br>
+              <a:rPr lang="en-US" sz="3000" dirty="0">
+                <a:latin typeface="Calibri" panose="020F0502020204030204" pitchFamily="34" charset="0"/>
+              </a:rPr>
+            </a:br>
+            <a:endParaRPr lang="en-US" sz="3000" dirty="0">
+              <a:latin typeface="Calibri" panose="020F0502020204030204" pitchFamily="34" charset="0"/>
+            </a:endParaRPr>
+          </a:p>
+          <a:p>
+            <a:endParaRPr lang="en-US" sz="2600" dirty="0">
+              <a:latin typeface="Calibri" panose="020F0502020204030204" pitchFamily="34" charset="0"/>
+            </a:endParaRPr>
+          </a:p>
+        </p:txBody>
+      </p:sp>
+      <p:pic>
+        <p:nvPicPr>
+          <p:cNvPr id="2050" name="Picture 2"/>
+          <p:cNvPicPr>
+            <a:picLocks noChangeAspect="1" noChangeArrowheads="1"/>
+          </p:cNvPicPr>
+          <p:nvPr/>
+        </p:nvPicPr>
+        <p:blipFill>
+          <a:blip r:embed="rId3">
+            <a:extLst>
+              <a:ext uri="{28A0092B-C50C-407E-A947-70E740481C1C}">
+                <a14:useLocalDpi xmlns:a14="http://schemas.microsoft.com/office/drawing/2010/main" val="0"/>
+              </a:ext>
+            </a:extLst>
+          </a:blip>
+          <a:srcRect/>
+          <a:stretch>
+            <a:fillRect/>
+          </a:stretch>
+        </p:blipFill>
+        <p:spPr bwMode="auto">
+          <a:xfrm>
+            <a:off x="619901" y="1999822"/>
+            <a:ext cx="7937536" cy="3868715"/>
+          </a:xfrm>
+          <a:prstGeom prst="rect">
+            <a:avLst/>
+          </a:prstGeom>
+          <a:noFill/>
+          <a:ln>
+            <a:noFill/>
+          </a:ln>
+          <a:effectLst/>
+          <a:extLst>
+            <a:ext uri="{909E8E84-426E-40DD-AFC4-6F175D3DCCD1}">
+              <a14:hiddenFill xmlns:a14="http://schemas.microsoft.com/office/drawing/2010/main">
+                <a:solidFill>
+                  <a:schemeClr val="accent1"/>
+                </a:solidFill>
+              </a14:hiddenFill>
+            </a:ext>
+            <a:ext uri="{91240B29-F687-4F45-9708-019B960494DF}">
+              <a14:hiddenLine xmlns:a14="http://schemas.microsoft.com/office/drawing/2010/main" w="9525">
+                <a:solidFill>
+                  <a:schemeClr val="tx1"/>
+                </a:solidFill>
+                <a:miter lim="800000"/>
+                <a:headEnd/>
+                <a:tailEnd/>
+              </a14:hiddenLine>
+            </a:ext>
+            <a:ext uri="{AF507438-7753-43E0-B8FC-AC1667EBCBE1}">
+              <a14:hiddenEffects xmlns:a14="http://schemas.microsoft.com/office/drawing/2010/main">
+                <a:effectLst>
+                  <a:outerShdw dist="35921" dir="2700000" algn="ctr" rotWithShape="0">
+                    <a:schemeClr val="bg2"/>
+                  </a:outerShdw>
+                </a:effectLst>
+              </a14:hiddenEffects>
+            </a:ext>
+          </a:extLst>
+        </p:spPr>
+      </p:pic>
+    </p:spTree>
+    <p:extLst>
+      <p:ext uri="{BB962C8B-B14F-4D97-AF65-F5344CB8AC3E}">
+        <p14:creationId xmlns:p14="http://schemas.microsoft.com/office/powerpoint/2010/main" val="2986018047"/>
+      </p:ext>
+    </p:extLst>
+  </p:cSld>
+  <p:clrMapOvr>
+    <a:masterClrMapping/>
+  </p:clrMapOvr>
+  <mc:AlternateContent xmlns:mc="http://schemas.openxmlformats.org/markup-compatibility/2006" xmlns:p14="http://schemas.microsoft.com/office/powerpoint/2010/main">
+    <mc:Choice Requires="p14">
+      <p:transition p14:dur="100">
+        <p:cut/>
+      </p:transition>
+    </mc:Choice>
+    <mc:Fallback xmlns="">
+      <p:transition>
+        <p:cut/>
+      </p:transition>
+    </mc:Fallback>
+  </mc:AlternateContent>
+  <p:timing>
+    <p:tnLst>
+      <p:par>
+        <p:cTn id="1" dur="indefinite" restart="never" nodeType="tmRoot"/>
+      </p:par>
+    </p:tnLst>
+  </p:timing>
+</p:sld>
+</file>
+
+<file path=ppt/slides/slide11.xml><?xml version="1.0" encoding="utf-8"?>
+<p:sld xmlns:a="http://schemas.openxmlformats.org/drawingml/2006/main" xmlns:r="http://schemas.openxmlformats.org/officeDocument/2006/relationships" xmlns:p="http://schemas.openxmlformats.org/presentationml/2006/main">
+  <p:cSld>
+    <p:spTree>
+      <p:nvGrpSpPr>
+        <p:cNvPr id="1" name=""/>
+        <p:cNvGrpSpPr/>
+        <p:nvPr/>
+      </p:nvGrpSpPr>
+      <p:grpSpPr>
+        <a:xfrm>
+          <a:off x="0" y="0"/>
+          <a:ext cx="0" cy="0"/>
+          <a:chOff x="0" y="0"/>
+          <a:chExt cx="0" cy="0"/>
+        </a:xfrm>
+      </p:grpSpPr>
+      <p:sp>
+        <p:nvSpPr>
+          <p:cNvPr id="2" name="Title 1"/>
+          <p:cNvSpPr>
+            <a:spLocks noGrp="1"/>
+          </p:cNvSpPr>
+          <p:nvPr>
+            <p:ph type="title"/>
+          </p:nvPr>
+        </p:nvSpPr>
+        <p:spPr>
+          <a:xfrm>
+            <a:off x="457200" y="554819"/>
+            <a:ext cx="8229600" cy="739014"/>
+          </a:xfrm>
+        </p:spPr>
+        <p:txBody>
+          <a:bodyPr/>
+          <a:lstStyle/>
+          <a:p>
+            <a:r>
+              <a:rPr lang="en-US" dirty="0" smtClean="0">
+                <a:latin typeface="Calibri" panose="020F0502020204030204" pitchFamily="34" charset="0"/>
+              </a:rPr>
+              <a:t>Test Doubles (</a:t>
+            </a:r>
+            <a:r>
+              <a:rPr lang="en-US" dirty="0" err="1" smtClean="0">
+                <a:latin typeface="Calibri" panose="020F0502020204030204" pitchFamily="34" charset="0"/>
+              </a:rPr>
+              <a:t>cont</a:t>
+            </a:r>
+            <a:r>
+              <a:rPr lang="en-US" dirty="0" smtClean="0">
+                <a:latin typeface="Calibri" panose="020F0502020204030204" pitchFamily="34" charset="0"/>
+              </a:rPr>
+              <a:t>)</a:t>
+            </a:r>
+            <a:endParaRPr lang="en-US" dirty="0">
+              <a:latin typeface="Calibri" panose="020F0502020204030204" pitchFamily="34" charset="0"/>
+            </a:endParaRPr>
+          </a:p>
+        </p:txBody>
+      </p:sp>
+      <p:sp>
+        <p:nvSpPr>
+          <p:cNvPr id="3" name="Content Placeholder 2"/>
+          <p:cNvSpPr>
+            <a:spLocks noGrp="1"/>
+          </p:cNvSpPr>
+          <p:nvPr>
+            <p:ph idx="1"/>
+          </p:nvPr>
+        </p:nvSpPr>
+        <p:spPr>
+          <a:xfrm>
+            <a:off x="457200" y="1811743"/>
+            <a:ext cx="8229600" cy="4157663"/>
+          </a:xfrm>
+        </p:spPr>
+        <p:txBody>
+          <a:bodyPr/>
+          <a:lstStyle/>
+          <a:p>
+            <a:pPr marL="0" indent="0">
+              <a:buNone/>
+            </a:pPr>
+            <a:r>
+              <a:rPr lang="en-US" sz="3000" dirty="0">
+                <a:latin typeface="Calibri" panose="020F0502020204030204" pitchFamily="34" charset="0"/>
+              </a:rPr>
+              <a:t/>
+            </a:r>
+            <a:br>
+              <a:rPr lang="en-US" sz="3000" dirty="0">
+                <a:latin typeface="Calibri" panose="020F0502020204030204" pitchFamily="34" charset="0"/>
+              </a:rPr>
+            </a:br>
+            <a:endParaRPr lang="en-US" sz="3000" dirty="0">
+              <a:latin typeface="Calibri" panose="020F0502020204030204" pitchFamily="34" charset="0"/>
+            </a:endParaRPr>
+          </a:p>
+          <a:p>
+            <a:endParaRPr lang="en-US" sz="2600" dirty="0">
+              <a:latin typeface="Calibri" panose="020F0502020204030204" pitchFamily="34" charset="0"/>
+            </a:endParaRPr>
+          </a:p>
+        </p:txBody>
+      </p:sp>
+      <p:pic>
+        <p:nvPicPr>
+          <p:cNvPr id="3074" name="Picture 2" descr="C:\Users\quangson\Desktop\Capture3.PNG"/>
+          <p:cNvPicPr>
+            <a:picLocks noChangeAspect="1" noChangeArrowheads="1"/>
+          </p:cNvPicPr>
+          <p:nvPr/>
+        </p:nvPicPr>
+        <p:blipFill>
+          <a:blip r:embed="rId3">
+            <a:extLst>
+              <a:ext uri="{28A0092B-C50C-407E-A947-70E740481C1C}">
+                <a14:useLocalDpi xmlns:a14="http://schemas.microsoft.com/office/drawing/2010/main" val="0"/>
+              </a:ext>
+            </a:extLst>
+          </a:blip>
+          <a:srcRect/>
+          <a:stretch>
+            <a:fillRect/>
+          </a:stretch>
+        </p:blipFill>
+        <p:spPr bwMode="auto">
+          <a:xfrm>
+            <a:off x="839337" y="1442683"/>
+            <a:ext cx="7676866" cy="5173540"/>
+          </a:xfrm>
+          <a:prstGeom prst="rect">
+            <a:avLst/>
+          </a:prstGeom>
+          <a:noFill/>
+          <a:extLst>
+            <a:ext uri="{909E8E84-426E-40DD-AFC4-6F175D3DCCD1}">
+              <a14:hiddenFill xmlns:a14="http://schemas.microsoft.com/office/drawing/2010/main">
+                <a:solidFill>
+                  <a:srgbClr val="FFFFFF"/>
+                </a:solidFill>
+              </a14:hiddenFill>
+            </a:ext>
+          </a:extLst>
+        </p:spPr>
+      </p:pic>
+    </p:spTree>
+    <p:extLst>
+      <p:ext uri="{BB962C8B-B14F-4D97-AF65-F5344CB8AC3E}">
+        <p14:creationId xmlns:p14="http://schemas.microsoft.com/office/powerpoint/2010/main" val="1057125056"/>
+      </p:ext>
+    </p:extLst>
+  </p:cSld>
+  <p:clrMapOvr>
+    <a:masterClrMapping/>
+  </p:clrMapOvr>
+  <mc:AlternateContent xmlns:mc="http://schemas.openxmlformats.org/markup-compatibility/2006" xmlns:p14="http://schemas.microsoft.com/office/powerpoint/2010/main">
+    <mc:Choice Requires="p14">
+      <p:transition p14:dur="100">
+        <p:cut/>
+      </p:transition>
+    </mc:Choice>
+    <mc:Fallback xmlns="">
+      <p:transition>
+        <p:cut/>
+      </p:transition>
+    </mc:Fallback>
+  </mc:AlternateContent>
+  <p:timing>
+    <p:tnLst>
+      <p:par>
+        <p:cTn id="1" dur="indefinite" restart="never" nodeType="tmRoot"/>
+      </p:par>
+    </p:tnLst>
+  </p:timing>
+</p:sld>
+</file>
+
+<file path=ppt/slides/slide12.xml><?xml version="1.0" encoding="utf-8"?>
+<p:sld xmlns:a="http://schemas.openxmlformats.org/drawingml/2006/main" xmlns:r="http://schemas.openxmlformats.org/officeDocument/2006/relationships" xmlns:p="http://schemas.openxmlformats.org/presentationml/2006/main">
+  <p:cSld>
+    <p:spTree>
+      <p:nvGrpSpPr>
+        <p:cNvPr id="1" name=""/>
+        <p:cNvGrpSpPr/>
+        <p:nvPr/>
+      </p:nvGrpSpPr>
+      <p:grpSpPr>
+        <a:xfrm>
+          <a:off x="0" y="0"/>
+          <a:ext cx="0" cy="0"/>
+          <a:chOff x="0" y="0"/>
+          <a:chExt cx="0" cy="0"/>
+        </a:xfrm>
+      </p:grpSpPr>
+      <p:sp>
+        <p:nvSpPr>
+          <p:cNvPr id="2" name="Title 1"/>
+          <p:cNvSpPr>
+            <a:spLocks noGrp="1"/>
+          </p:cNvSpPr>
+          <p:nvPr>
+            <p:ph type="title"/>
+          </p:nvPr>
+        </p:nvSpPr>
+        <p:spPr>
+          <a:xfrm>
+            <a:off x="457200" y="513875"/>
+            <a:ext cx="8229600" cy="739014"/>
+          </a:xfrm>
+        </p:spPr>
+        <p:txBody>
+          <a:bodyPr/>
+          <a:lstStyle/>
+          <a:p>
+            <a:r>
+              <a:rPr lang="en-US" dirty="0" smtClean="0">
+                <a:latin typeface="Calibri" panose="020F0502020204030204" pitchFamily="34" charset="0"/>
+              </a:rPr>
+              <a:t>Test Doubles (</a:t>
+            </a:r>
+            <a:r>
+              <a:rPr lang="en-US" dirty="0" err="1" smtClean="0">
+                <a:latin typeface="Calibri" panose="020F0502020204030204" pitchFamily="34" charset="0"/>
+              </a:rPr>
+              <a:t>cont</a:t>
+            </a:r>
+            <a:r>
+              <a:rPr lang="en-US" dirty="0" smtClean="0">
+                <a:latin typeface="Calibri" panose="020F0502020204030204" pitchFamily="34" charset="0"/>
+              </a:rPr>
+              <a:t>)</a:t>
+            </a:r>
+            <a:endParaRPr lang="en-US" dirty="0">
+              <a:latin typeface="Calibri" panose="020F0502020204030204" pitchFamily="34" charset="0"/>
+            </a:endParaRPr>
+          </a:p>
+        </p:txBody>
+      </p:sp>
+      <p:sp>
+        <p:nvSpPr>
+          <p:cNvPr id="3" name="Content Placeholder 2"/>
+          <p:cNvSpPr>
+            <a:spLocks noGrp="1"/>
+          </p:cNvSpPr>
+          <p:nvPr>
+            <p:ph idx="1"/>
+          </p:nvPr>
+        </p:nvSpPr>
+        <p:spPr>
+          <a:xfrm>
+            <a:off x="457200" y="1811743"/>
+            <a:ext cx="8229600" cy="4157663"/>
+          </a:xfrm>
+        </p:spPr>
+        <p:txBody>
+          <a:bodyPr/>
+          <a:lstStyle/>
+          <a:p>
+            <a:pPr marL="0" indent="0">
+              <a:buNone/>
+            </a:pPr>
+            <a:r>
+              <a:rPr lang="en-US" sz="3000" dirty="0">
+                <a:latin typeface="Calibri" panose="020F0502020204030204" pitchFamily="34" charset="0"/>
+              </a:rPr>
+              <a:t/>
+            </a:r>
+            <a:br>
+              <a:rPr lang="en-US" sz="3000" dirty="0">
+                <a:latin typeface="Calibri" panose="020F0502020204030204" pitchFamily="34" charset="0"/>
+              </a:rPr>
+            </a:br>
+            <a:endParaRPr lang="en-US" sz="3000" dirty="0">
+              <a:latin typeface="Calibri" panose="020F0502020204030204" pitchFamily="34" charset="0"/>
+            </a:endParaRPr>
+          </a:p>
+          <a:p>
+            <a:endParaRPr lang="en-US" sz="2600" dirty="0">
+              <a:latin typeface="Calibri" panose="020F0502020204030204" pitchFamily="34" charset="0"/>
+            </a:endParaRPr>
+          </a:p>
+        </p:txBody>
+      </p:sp>
+      <p:pic>
+        <p:nvPicPr>
+          <p:cNvPr id="5122" name="Picture 2" descr="C:\Users\quangson\Desktop\Capture4.PNG"/>
+          <p:cNvPicPr>
+            <a:picLocks noChangeAspect="1" noChangeArrowheads="1"/>
+          </p:cNvPicPr>
+          <p:nvPr/>
+        </p:nvPicPr>
+        <p:blipFill>
+          <a:blip r:embed="rId3">
+            <a:extLst>
+              <a:ext uri="{28A0092B-C50C-407E-A947-70E740481C1C}">
+                <a14:useLocalDpi xmlns:a14="http://schemas.microsoft.com/office/drawing/2010/main" val="0"/>
+              </a:ext>
+            </a:extLst>
+          </a:blip>
+          <a:srcRect/>
+          <a:stretch>
+            <a:fillRect/>
+          </a:stretch>
+        </p:blipFill>
+        <p:spPr bwMode="auto">
+          <a:xfrm>
+            <a:off x="839336" y="1442682"/>
+            <a:ext cx="7635924" cy="5189053"/>
+          </a:xfrm>
+          <a:prstGeom prst="rect">
+            <a:avLst/>
+          </a:prstGeom>
+          <a:noFill/>
+          <a:extLst>
+            <a:ext uri="{909E8E84-426E-40DD-AFC4-6F175D3DCCD1}">
+              <a14:hiddenFill xmlns:a14="http://schemas.microsoft.com/office/drawing/2010/main">
+                <a:solidFill>
+                  <a:srgbClr val="FFFFFF"/>
+                </a:solidFill>
+              </a14:hiddenFill>
+            </a:ext>
+          </a:extLst>
+        </p:spPr>
+      </p:pic>
+    </p:spTree>
+    <p:extLst>
+      <p:ext uri="{BB962C8B-B14F-4D97-AF65-F5344CB8AC3E}">
+        <p14:creationId xmlns:p14="http://schemas.microsoft.com/office/powerpoint/2010/main" val="300979604"/>
+      </p:ext>
+    </p:extLst>
+  </p:cSld>
+  <p:clrMapOvr>
+    <a:masterClrMapping/>
+  </p:clrMapOvr>
+  <mc:AlternateContent xmlns:mc="http://schemas.openxmlformats.org/markup-compatibility/2006" xmlns:p14="http://schemas.microsoft.com/office/powerpoint/2010/main">
+    <mc:Choice Requires="p14">
+      <p:transition p14:dur="100">
+        <p:cut/>
+      </p:transition>
+    </mc:Choice>
+    <mc:Fallback xmlns="">
+      <p:transition>
+        <p:cut/>
+      </p:transition>
+    </mc:Fallback>
+  </mc:AlternateContent>
+  <p:timing>
+    <p:tnLst>
+      <p:par>
+        <p:cTn id="1" dur="indefinite" restart="never" nodeType="tmRoot"/>
+      </p:par>
+    </p:tnLst>
+  </p:timing>
+</p:sld>
+</file>
+
+<file path=ppt/slides/slide13.xml><?xml version="1.0" encoding="utf-8"?>
+<p:sld xmlns:a="http://schemas.openxmlformats.org/drawingml/2006/main" xmlns:r="http://schemas.openxmlformats.org/officeDocument/2006/relationships" xmlns:p="http://schemas.openxmlformats.org/presentationml/2006/main">
+  <p:cSld>
+    <p:spTree>
+      <p:nvGrpSpPr>
+        <p:cNvPr id="1" name=""/>
+        <p:cNvGrpSpPr/>
+        <p:nvPr/>
+      </p:nvGrpSpPr>
+      <p:grpSpPr>
+        <a:xfrm>
+          <a:off x="0" y="0"/>
+          <a:ext cx="0" cy="0"/>
+          <a:chOff x="0" y="0"/>
+          <a:chExt cx="0" cy="0"/>
+        </a:xfrm>
+      </p:grpSpPr>
+      <p:sp>
+        <p:nvSpPr>
+          <p:cNvPr id="2" name="Title 1"/>
+          <p:cNvSpPr>
+            <a:spLocks noGrp="1"/>
+          </p:cNvSpPr>
+          <p:nvPr>
+            <p:ph type="title"/>
+          </p:nvPr>
+        </p:nvSpPr>
+        <p:spPr>
+          <a:xfrm>
+            <a:off x="457200" y="554819"/>
+            <a:ext cx="8229600" cy="739014"/>
+          </a:xfrm>
+        </p:spPr>
+        <p:txBody>
+          <a:bodyPr/>
+          <a:lstStyle/>
+          <a:p>
+            <a:r>
+              <a:rPr lang="en-US" dirty="0" smtClean="0">
+                <a:latin typeface="Calibri" panose="020F0502020204030204" pitchFamily="34" charset="0"/>
+              </a:rPr>
+              <a:t>Test Doubles (</a:t>
+            </a:r>
+            <a:r>
+              <a:rPr lang="en-US" dirty="0" err="1" smtClean="0">
+                <a:latin typeface="Calibri" panose="020F0502020204030204" pitchFamily="34" charset="0"/>
+              </a:rPr>
+              <a:t>cont</a:t>
+            </a:r>
+            <a:r>
+              <a:rPr lang="en-US" dirty="0" smtClean="0">
+                <a:latin typeface="Calibri" panose="020F0502020204030204" pitchFamily="34" charset="0"/>
+              </a:rPr>
+              <a:t>)</a:t>
+            </a:r>
+            <a:endParaRPr lang="en-US" dirty="0">
+              <a:latin typeface="Calibri" panose="020F0502020204030204" pitchFamily="34" charset="0"/>
+            </a:endParaRPr>
+          </a:p>
+        </p:txBody>
+      </p:sp>
+      <p:sp>
+        <p:nvSpPr>
+          <p:cNvPr id="3" name="Content Placeholder 2"/>
+          <p:cNvSpPr>
+            <a:spLocks noGrp="1"/>
+          </p:cNvSpPr>
+          <p:nvPr>
+            <p:ph idx="1"/>
+          </p:nvPr>
+        </p:nvSpPr>
+        <p:spPr>
+          <a:xfrm>
+            <a:off x="457200" y="1811743"/>
+            <a:ext cx="8229600" cy="4157663"/>
+          </a:xfrm>
+        </p:spPr>
+        <p:txBody>
+          <a:bodyPr/>
+          <a:lstStyle/>
+          <a:p>
+            <a:pPr marL="0" indent="0">
+              <a:buNone/>
+            </a:pPr>
+            <a:r>
+              <a:rPr lang="en-US" sz="3000" dirty="0">
+                <a:latin typeface="Calibri" panose="020F0502020204030204" pitchFamily="34" charset="0"/>
+              </a:rPr>
+              <a:t/>
+            </a:r>
+            <a:br>
+              <a:rPr lang="en-US" sz="3000" dirty="0">
+                <a:latin typeface="Calibri" panose="020F0502020204030204" pitchFamily="34" charset="0"/>
+              </a:rPr>
+            </a:br>
+            <a:endParaRPr lang="en-US" sz="3000" dirty="0">
+              <a:latin typeface="Calibri" panose="020F0502020204030204" pitchFamily="34" charset="0"/>
+            </a:endParaRPr>
+          </a:p>
+          <a:p>
+            <a:endParaRPr lang="en-US" sz="2600" dirty="0">
+              <a:latin typeface="Calibri" panose="020F0502020204030204" pitchFamily="34" charset="0"/>
+            </a:endParaRPr>
+          </a:p>
+        </p:txBody>
+      </p:sp>
+      <p:pic>
+        <p:nvPicPr>
+          <p:cNvPr id="4098" name="Picture 2" descr="C:\Users\quangson\Desktop\Capture3.PNG"/>
+          <p:cNvPicPr>
+            <a:picLocks noChangeAspect="1" noChangeArrowheads="1"/>
+          </p:cNvPicPr>
+          <p:nvPr/>
+        </p:nvPicPr>
+        <p:blipFill>
+          <a:blip r:embed="rId3">
+            <a:extLst>
+              <a:ext uri="{28A0092B-C50C-407E-A947-70E740481C1C}">
+                <a14:useLocalDpi xmlns:a14="http://schemas.microsoft.com/office/drawing/2010/main" val="0"/>
+              </a:ext>
+            </a:extLst>
+          </a:blip>
+          <a:srcRect/>
+          <a:stretch>
+            <a:fillRect/>
+          </a:stretch>
+        </p:blipFill>
+        <p:spPr bwMode="auto">
+          <a:xfrm>
+            <a:off x="225686" y="1539282"/>
+            <a:ext cx="8723072" cy="4329255"/>
+          </a:xfrm>
+          <a:prstGeom prst="rect">
+            <a:avLst/>
+          </a:prstGeom>
+          <a:noFill/>
+          <a:extLst>
+            <a:ext uri="{909E8E84-426E-40DD-AFC4-6F175D3DCCD1}">
+              <a14:hiddenFill xmlns:a14="http://schemas.microsoft.com/office/drawing/2010/main">
+                <a:solidFill>
+                  <a:srgbClr val="FFFFFF"/>
+                </a:solidFill>
+              </a14:hiddenFill>
+            </a:ext>
+          </a:extLst>
+        </p:spPr>
+      </p:pic>
+    </p:spTree>
+    <p:extLst>
+      <p:ext uri="{BB962C8B-B14F-4D97-AF65-F5344CB8AC3E}">
+        <p14:creationId xmlns:p14="http://schemas.microsoft.com/office/powerpoint/2010/main" val="988691356"/>
+      </p:ext>
+    </p:extLst>
+  </p:cSld>
+  <p:clrMapOvr>
+    <a:masterClrMapping/>
+  </p:clrMapOvr>
+  <mc:AlternateContent xmlns:mc="http://schemas.openxmlformats.org/markup-compatibility/2006" xmlns:p14="http://schemas.microsoft.com/office/powerpoint/2010/main">
+    <mc:Choice Requires="p14">
+      <p:transition p14:dur="100">
+        <p:cut/>
+      </p:transition>
+    </mc:Choice>
+    <mc:Fallback xmlns="">
+      <p:transition>
+        <p:cut/>
+      </p:transition>
+    </mc:Fallback>
+  </mc:AlternateContent>
+  <p:timing>
+    <p:tnLst>
+      <p:par>
+        <p:cTn id="1" dur="indefinite" restart="never" nodeType="tmRoot"/>
+      </p:par>
+    </p:tnLst>
+  </p:timing>
+</p:sld>
+</file>
+
+<file path=ppt/slides/slide14.xml><?xml version="1.0" encoding="utf-8"?>
+<p:sld xmlns:a="http://schemas.openxmlformats.org/drawingml/2006/main" xmlns:r="http://schemas.openxmlformats.org/officeDocument/2006/relationships" xmlns:p="http://schemas.openxmlformats.org/presentationml/2006/main">
+  <p:cSld>
+    <p:spTree>
+      <p:nvGrpSpPr>
+        <p:cNvPr id="1" name=""/>
+        <p:cNvGrpSpPr/>
+        <p:nvPr/>
+      </p:nvGrpSpPr>
+      <p:grpSpPr>
+        <a:xfrm>
+          <a:off x="0" y="0"/>
+          <a:ext cx="0" cy="0"/>
+          <a:chOff x="0" y="0"/>
+          <a:chExt cx="0" cy="0"/>
+        </a:xfrm>
+      </p:grpSpPr>
+      <p:sp>
+        <p:nvSpPr>
+          <p:cNvPr id="2" name="Title 1"/>
+          <p:cNvSpPr>
+            <a:spLocks noGrp="1"/>
+          </p:cNvSpPr>
+          <p:nvPr>
+            <p:ph type="title"/>
+          </p:nvPr>
+        </p:nvSpPr>
+        <p:spPr>
+          <a:xfrm>
+            <a:off x="457200" y="554819"/>
+            <a:ext cx="8229600" cy="739014"/>
+          </a:xfrm>
+        </p:spPr>
+        <p:txBody>
+          <a:bodyPr/>
+          <a:lstStyle/>
+          <a:p>
+            <a:r>
+              <a:rPr lang="en-US" b="1" dirty="0" smtClean="0"/>
+              <a:t>4 ways of </a:t>
+            </a:r>
+            <a:r>
+              <a:rPr lang="en-US" b="1" dirty="0" err="1" smtClean="0"/>
+              <a:t>getMockBuilder</a:t>
+            </a:r>
+            <a:endParaRPr lang="en-US" b="1" dirty="0"/>
+          </a:p>
+        </p:txBody>
+      </p:sp>
+      <p:sp>
+        <p:nvSpPr>
+          <p:cNvPr id="3" name="Content Placeholder 2"/>
+          <p:cNvSpPr>
+            <a:spLocks noGrp="1"/>
+          </p:cNvSpPr>
+          <p:nvPr>
+            <p:ph idx="1"/>
+          </p:nvPr>
+        </p:nvSpPr>
+        <p:spPr>
+          <a:xfrm>
+            <a:off x="457200" y="1811743"/>
+            <a:ext cx="8229600" cy="4157663"/>
+          </a:xfrm>
+        </p:spPr>
+        <p:txBody>
+          <a:bodyPr/>
+          <a:lstStyle/>
+          <a:p>
+            <a:pPr marL="0" indent="0">
+              <a:buNone/>
+            </a:pPr>
+            <a:r>
+              <a:rPr lang="en-US" sz="3000" dirty="0">
+                <a:latin typeface="Calibri" panose="020F0502020204030204" pitchFamily="34" charset="0"/>
+              </a:rPr>
+              <a:t/>
+            </a:r>
+            <a:br>
+              <a:rPr lang="en-US" sz="3000" dirty="0">
+                <a:latin typeface="Calibri" panose="020F0502020204030204" pitchFamily="34" charset="0"/>
+              </a:rPr>
+            </a:br>
+            <a:endParaRPr lang="en-US" sz="3000" dirty="0">
+              <a:latin typeface="Calibri" panose="020F0502020204030204" pitchFamily="34" charset="0"/>
+            </a:endParaRPr>
+          </a:p>
+          <a:p>
+            <a:endParaRPr lang="en-US" sz="2600" dirty="0">
+              <a:latin typeface="Calibri" panose="020F0502020204030204" pitchFamily="34" charset="0"/>
+            </a:endParaRPr>
+          </a:p>
+        </p:txBody>
+      </p:sp>
+      <p:graphicFrame>
+        <p:nvGraphicFramePr>
+          <p:cNvPr id="4" name="Table 3"/>
+          <p:cNvGraphicFramePr>
+            <a:graphicFrameLocks noGrp="1"/>
+          </p:cNvGraphicFramePr>
+          <p:nvPr>
+            <p:extLst>
+              <p:ext uri="{D42A27DB-BD31-4B8C-83A1-F6EECF244321}">
+                <p14:modId xmlns:p14="http://schemas.microsoft.com/office/powerpoint/2010/main" val="3107662925"/>
+              </p:ext>
+            </p:extLst>
+          </p:nvPr>
+        </p:nvGraphicFramePr>
+        <p:xfrm>
+          <a:off x="0" y="1811742"/>
+          <a:ext cx="9144000" cy="5046257"/>
+        </p:xfrm>
+        <a:graphic>
+          <a:graphicData uri="http://schemas.openxmlformats.org/drawingml/2006/table">
+            <a:tbl>
+              <a:tblPr firstRow="1" bandRow="1">
+                <a:tableStyleId>{073A0DAA-6AF3-43AB-8588-CEC1D06C72B9}</a:tableStyleId>
+              </a:tblPr>
+              <a:tblGrid>
+                <a:gridCol w="2088107"/>
+                <a:gridCol w="2101756"/>
+                <a:gridCol w="2292824"/>
+                <a:gridCol w="2661313"/>
+              </a:tblGrid>
+              <a:tr h="1338022">
+                <a:tc>
+                  <a:txBody>
+                    <a:bodyPr/>
+                    <a:lstStyle/>
+                    <a:p>
+                      <a:pPr algn="ctr"/>
+                      <a:r>
+                        <a:rPr lang="en-US" sz="3200" dirty="0" smtClean="0"/>
+                        <a:t>nothing</a:t>
+                      </a:r>
+                      <a:endParaRPr lang="en-US" sz="3200" dirty="0"/>
+                    </a:p>
+                  </a:txBody>
+                  <a:tcPr/>
+                </a:tc>
+                <a:tc>
+                  <a:txBody>
+                    <a:bodyPr/>
+                    <a:lstStyle/>
+                    <a:p>
+                      <a:pPr algn="ctr"/>
+                      <a:r>
+                        <a:rPr lang="en-US" sz="3200" dirty="0" smtClean="0"/>
+                        <a:t>array()</a:t>
+                      </a:r>
+                      <a:endParaRPr lang="en-US" sz="3200" dirty="0"/>
+                    </a:p>
+                  </a:txBody>
+                  <a:tcPr/>
+                </a:tc>
+                <a:tc>
+                  <a:txBody>
+                    <a:bodyPr/>
+                    <a:lstStyle/>
+                    <a:p>
+                      <a:pPr algn="ctr"/>
+                      <a:r>
+                        <a:rPr lang="en-US" sz="3200" dirty="0" smtClean="0"/>
+                        <a:t>null</a:t>
+                      </a:r>
+                      <a:endParaRPr lang="en-US" sz="3200" dirty="0"/>
+                    </a:p>
+                  </a:txBody>
+                  <a:tcPr/>
+                </a:tc>
+                <a:tc>
+                  <a:txBody>
+                    <a:bodyPr/>
+                    <a:lstStyle/>
+                    <a:p>
+                      <a:pPr algn="ctr"/>
+                      <a:r>
+                        <a:rPr lang="en-US" sz="3200" dirty="0" smtClean="0"/>
+                        <a:t>array(‘foo’)</a:t>
+                      </a:r>
+                      <a:endParaRPr lang="en-US" sz="3200" dirty="0"/>
+                    </a:p>
+                  </a:txBody>
+                  <a:tcPr/>
+                </a:tc>
+              </a:tr>
+              <a:tr h="3708235">
+                <a:tc>
+                  <a:txBody>
+                    <a:bodyPr/>
+                    <a:lstStyle/>
+                    <a:p>
+                      <a:pPr marL="285750" indent="-285750">
+                        <a:buFont typeface="Arial" pitchFamily="34" charset="0"/>
+                        <a:buChar char="•"/>
+                      </a:pPr>
+                      <a:r>
+                        <a:rPr lang="en-US" sz="2600" kern="1200" dirty="0" smtClean="0">
+                          <a:effectLst/>
+                        </a:rPr>
+                        <a:t>All stubs</a:t>
+                      </a:r>
+                    </a:p>
+                    <a:p>
+                      <a:pPr marL="285750" indent="-285750">
+                        <a:buFont typeface="Arial" pitchFamily="34" charset="0"/>
+                        <a:buChar char="•"/>
+                      </a:pPr>
+                      <a:endParaRPr lang="en-US" sz="2600" kern="1200" dirty="0" smtClean="0">
+                        <a:effectLst/>
+                      </a:endParaRPr>
+                    </a:p>
+                    <a:p>
+                      <a:pPr marL="285750" indent="-285750">
+                        <a:buFont typeface="Arial" pitchFamily="34" charset="0"/>
+                        <a:buChar char="•"/>
+                      </a:pPr>
+                      <a:r>
+                        <a:rPr lang="en-US" sz="2600" kern="1200" dirty="0" smtClean="0">
+                          <a:effectLst/>
+                        </a:rPr>
+                        <a:t>Return null</a:t>
+                      </a:r>
+                    </a:p>
+                    <a:p>
+                      <a:pPr marL="285750" indent="-285750">
+                        <a:buFont typeface="Arial" pitchFamily="34" charset="0"/>
+                        <a:buChar char="•"/>
+                      </a:pPr>
+                      <a:endParaRPr lang="en-US" sz="2600" kern="1200" dirty="0" smtClean="0">
+                        <a:effectLst/>
+                      </a:endParaRPr>
+                    </a:p>
+                    <a:p>
+                      <a:pPr marL="285750" indent="-285750">
+                        <a:buFont typeface="Arial" pitchFamily="34" charset="0"/>
+                        <a:buChar char="•"/>
+                      </a:pPr>
+                      <a:endParaRPr lang="en-US" sz="2600" kern="1200" dirty="0" smtClean="0">
+                        <a:effectLst/>
+                      </a:endParaRPr>
+                    </a:p>
+                    <a:p>
+                      <a:pPr marL="285750" indent="-285750">
+                        <a:buFont typeface="Arial" pitchFamily="34" charset="0"/>
+                        <a:buChar char="•"/>
+                      </a:pPr>
+                      <a:r>
+                        <a:rPr lang="en-US" sz="2600" kern="1200" dirty="0" err="1" smtClean="0">
+                          <a:effectLst/>
+                        </a:rPr>
+                        <a:t>Overridable</a:t>
+                      </a:r>
+                      <a:endParaRPr lang="en-US" sz="2600" kern="1200" dirty="0" smtClean="0">
+                        <a:effectLst/>
+                      </a:endParaRPr>
+                    </a:p>
+                    <a:p>
+                      <a:endParaRPr lang="en-US" sz="3200" dirty="0"/>
+                    </a:p>
+                  </a:txBody>
+                  <a:tcPr/>
+                </a:tc>
+                <a:tc>
+                  <a:txBody>
+                    <a:bodyPr/>
+                    <a:lstStyle/>
+                    <a:p>
+                      <a:pPr marL="285750" indent="-285750">
+                        <a:buFont typeface="Arial" pitchFamily="34" charset="0"/>
+                        <a:buChar char="•"/>
+                      </a:pPr>
+                      <a:r>
+                        <a:rPr lang="en-US" sz="2600" kern="1200" dirty="0" smtClean="0">
+                          <a:effectLst/>
+                        </a:rPr>
+                        <a:t>All stubs</a:t>
+                      </a:r>
+                    </a:p>
+                    <a:p>
+                      <a:pPr marL="285750" indent="-285750">
+                        <a:buFont typeface="Arial" pitchFamily="34" charset="0"/>
+                        <a:buChar char="•"/>
+                      </a:pPr>
+                      <a:endParaRPr lang="en-US" sz="2600" kern="1200" dirty="0" smtClean="0">
+                        <a:effectLst/>
+                      </a:endParaRPr>
+                    </a:p>
+                    <a:p>
+                      <a:pPr marL="285750" indent="-285750">
+                        <a:buFont typeface="Arial" pitchFamily="34" charset="0"/>
+                        <a:buChar char="•"/>
+                      </a:pPr>
+                      <a:r>
+                        <a:rPr lang="en-US" sz="2600" kern="1200" dirty="0" smtClean="0">
+                          <a:effectLst/>
+                        </a:rPr>
+                        <a:t>Return null</a:t>
+                      </a:r>
+                    </a:p>
+                    <a:p>
+                      <a:pPr marL="285750" indent="-285750">
+                        <a:buFont typeface="Arial" pitchFamily="34" charset="0"/>
+                        <a:buChar char="•"/>
+                      </a:pPr>
+                      <a:endParaRPr lang="en-US" sz="2600" kern="1200" dirty="0" smtClean="0">
+                        <a:effectLst/>
+                      </a:endParaRPr>
+                    </a:p>
+                    <a:p>
+                      <a:pPr marL="285750" indent="-285750">
+                        <a:buFont typeface="Arial" pitchFamily="34" charset="0"/>
+                        <a:buChar char="•"/>
+                      </a:pPr>
+                      <a:endParaRPr lang="en-US" sz="2600" kern="1200" dirty="0" smtClean="0">
+                        <a:effectLst/>
+                      </a:endParaRPr>
+                    </a:p>
+                    <a:p>
+                      <a:pPr marL="285750" indent="-285750">
+                        <a:buFont typeface="Arial" pitchFamily="34" charset="0"/>
+                        <a:buChar char="•"/>
+                      </a:pPr>
+                      <a:r>
+                        <a:rPr lang="en-US" sz="2600" kern="1200" dirty="0" err="1" smtClean="0">
+                          <a:effectLst/>
+                        </a:rPr>
+                        <a:t>Overridable</a:t>
+                      </a:r>
+                      <a:endParaRPr lang="en-US" sz="2600" kern="1200" dirty="0" smtClean="0">
+                        <a:effectLst/>
+                      </a:endParaRPr>
+                    </a:p>
+                    <a:p>
+                      <a:endParaRPr lang="en-US" sz="3200" dirty="0"/>
+                    </a:p>
+                  </a:txBody>
+                  <a:tcPr/>
+                </a:tc>
+                <a:tc>
+                  <a:txBody>
+                    <a:bodyPr/>
+                    <a:lstStyle/>
+                    <a:p>
+                      <a:pPr marL="457200" indent="-457200">
+                        <a:buFont typeface="Arial" pitchFamily="34" charset="0"/>
+                        <a:buChar char="•"/>
+                      </a:pPr>
+                      <a:r>
+                        <a:rPr lang="en-US" sz="2600" b="0" i="0" kern="1200" dirty="0" smtClean="0">
+                          <a:solidFill>
+                            <a:schemeClr val="dk1"/>
+                          </a:solidFill>
+                          <a:effectLst/>
+                          <a:latin typeface="+mn-lt"/>
+                          <a:ea typeface="+mn-ea"/>
+                          <a:cs typeface="+mn-cs"/>
+                        </a:rPr>
+                        <a:t>All mocks</a:t>
+                      </a:r>
+                    </a:p>
+                    <a:p>
+                      <a:pPr marL="457200" indent="-457200">
+                        <a:buFont typeface="Arial" pitchFamily="34" charset="0"/>
+                        <a:buChar char="•"/>
+                      </a:pPr>
+                      <a:endParaRPr lang="en-US" sz="2600" b="0" i="0" kern="1200" dirty="0" smtClean="0">
+                        <a:solidFill>
+                          <a:schemeClr val="dk1"/>
+                        </a:solidFill>
+                        <a:effectLst/>
+                        <a:latin typeface="+mn-lt"/>
+                        <a:ea typeface="+mn-ea"/>
+                        <a:cs typeface="+mn-cs"/>
+                      </a:endParaRPr>
+                    </a:p>
+                    <a:p>
+                      <a:pPr marL="457200" indent="-457200">
+                        <a:buFont typeface="Arial" pitchFamily="34" charset="0"/>
+                        <a:buChar char="•"/>
+                      </a:pPr>
+                      <a:r>
+                        <a:rPr lang="en-US" sz="2600" b="0" i="0" kern="1200" dirty="0" smtClean="0">
+                          <a:solidFill>
+                            <a:schemeClr val="dk1"/>
+                          </a:solidFill>
+                          <a:effectLst/>
+                          <a:latin typeface="+mn-lt"/>
+                          <a:ea typeface="+mn-ea"/>
+                          <a:cs typeface="+mn-cs"/>
+                        </a:rPr>
+                        <a:t>Run actual code </a:t>
+                      </a:r>
+                    </a:p>
+                    <a:p>
+                      <a:pPr marL="457200" indent="-457200">
+                        <a:buFont typeface="Arial" pitchFamily="34" charset="0"/>
+                        <a:buChar char="•"/>
+                      </a:pPr>
+                      <a:endParaRPr lang="en-US" sz="2600" b="0" i="0" kern="1200" dirty="0" smtClean="0">
+                        <a:solidFill>
+                          <a:schemeClr val="dk1"/>
+                        </a:solidFill>
+                        <a:effectLst/>
+                        <a:latin typeface="+mn-lt"/>
+                        <a:ea typeface="+mn-ea"/>
+                        <a:cs typeface="+mn-cs"/>
+                      </a:endParaRPr>
+                    </a:p>
+                    <a:p>
+                      <a:pPr marL="457200" indent="-457200">
+                        <a:buFont typeface="Arial" pitchFamily="34" charset="0"/>
+                        <a:buChar char="•"/>
+                      </a:pPr>
+                      <a:r>
+                        <a:rPr lang="en-US" sz="2600" b="0" i="0" kern="1200" dirty="0" smtClean="0">
+                          <a:solidFill>
+                            <a:schemeClr val="dk1"/>
+                          </a:solidFill>
+                          <a:effectLst/>
+                          <a:latin typeface="+mn-lt"/>
+                          <a:ea typeface="+mn-ea"/>
+                          <a:cs typeface="+mn-cs"/>
+                        </a:rPr>
+                        <a:t>Don’t allow override</a:t>
+                      </a:r>
+                      <a:endParaRPr lang="en-US" sz="3200" dirty="0"/>
+                    </a:p>
+                  </a:txBody>
+                  <a:tcPr/>
+                </a:tc>
+                <a:tc>
+                  <a:txBody>
+                    <a:bodyPr/>
+                    <a:lstStyle/>
+                    <a:p>
+                      <a:pPr marL="457200" indent="-457200">
+                        <a:buFont typeface="Arial" pitchFamily="34" charset="0"/>
+                        <a:buChar char="•"/>
+                      </a:pPr>
+                      <a:r>
+                        <a:rPr lang="en-US" sz="2600" dirty="0" smtClean="0"/>
+                        <a:t>Mixed</a:t>
+                      </a:r>
+                    </a:p>
+                    <a:p>
+                      <a:pPr marL="457200" indent="-457200">
+                        <a:buFont typeface="Arial" pitchFamily="34" charset="0"/>
+                        <a:buChar char="•"/>
+                      </a:pPr>
+                      <a:endParaRPr lang="en-US" sz="2600" dirty="0" smtClean="0"/>
+                    </a:p>
+                    <a:p>
+                      <a:pPr marL="457200" indent="-457200">
+                        <a:buFont typeface="Arial" pitchFamily="34" charset="0"/>
+                        <a:buChar char="•"/>
+                      </a:pPr>
+                      <a:r>
+                        <a:rPr lang="en-US" sz="2600" dirty="0" smtClean="0"/>
+                        <a:t>Foo (same 1/2)</a:t>
+                      </a:r>
+                    </a:p>
+                    <a:p>
+                      <a:pPr marL="457200" indent="-457200">
+                        <a:buFont typeface="Arial" pitchFamily="34" charset="0"/>
+                        <a:buChar char="•"/>
+                      </a:pPr>
+                      <a:endParaRPr lang="en-US" sz="2600" dirty="0" smtClean="0"/>
+                    </a:p>
+                    <a:p>
+                      <a:pPr marL="457200" indent="-457200">
+                        <a:buFont typeface="Arial" pitchFamily="34" charset="0"/>
+                        <a:buChar char="•"/>
+                      </a:pPr>
+                      <a:endParaRPr lang="en-US" sz="2600" dirty="0" smtClean="0"/>
+                    </a:p>
+                    <a:p>
+                      <a:pPr marL="457200" indent="-457200">
+                        <a:buFont typeface="Arial" pitchFamily="34" charset="0"/>
+                        <a:buChar char="•"/>
+                      </a:pPr>
+                      <a:r>
+                        <a:rPr lang="en-US" sz="2600" dirty="0" smtClean="0"/>
+                        <a:t>Other (same 3)</a:t>
+                      </a:r>
+                      <a:endParaRPr lang="en-US" sz="2600" dirty="0"/>
+                    </a:p>
+                  </a:txBody>
+                  <a:tcPr/>
+                </a:tc>
+              </a:tr>
+            </a:tbl>
+          </a:graphicData>
+        </a:graphic>
+      </p:graphicFrame>
+    </p:spTree>
+    <p:extLst>
+      <p:ext uri="{BB962C8B-B14F-4D97-AF65-F5344CB8AC3E}">
+        <p14:creationId xmlns:p14="http://schemas.microsoft.com/office/powerpoint/2010/main" val="3501463049"/>
+      </p:ext>
+    </p:extLst>
+  </p:cSld>
+  <p:clrMapOvr>
+    <a:masterClrMapping/>
+  </p:clrMapOvr>
+  <mc:AlternateContent xmlns:mc="http://schemas.openxmlformats.org/markup-compatibility/2006" xmlns:p14="http://schemas.microsoft.com/office/powerpoint/2010/main">
+    <mc:Choice Requires="p14">
+      <p:transition p14:dur="100">
+        <p:cut/>
+      </p:transition>
+    </mc:Choice>
+    <mc:Fallback xmlns="">
+      <p:transition>
+        <p:cut/>
+      </p:transition>
+    </mc:Fallback>
+  </mc:AlternateContent>
+  <p:timing>
+    <p:tnLst>
+      <p:par>
+        <p:cTn id="1" dur="indefinite" restart="never" nodeType="tmRoot"/>
+      </p:par>
+    </p:tnLst>
+  </p:timing>
+</p:sld>
+</file>
+
+<file path=ppt/slides/slide15.xml><?xml version="1.0" encoding="utf-8"?>
+<p:sld xmlns:a="http://schemas.openxmlformats.org/drawingml/2006/main" xmlns:r="http://schemas.openxmlformats.org/officeDocument/2006/relationships" xmlns:p="http://schemas.openxmlformats.org/presentationml/2006/main">
+  <p:cSld>
+    <p:spTree>
+      <p:nvGrpSpPr>
+        <p:cNvPr id="1" name=""/>
+        <p:cNvGrpSpPr/>
+        <p:nvPr/>
+      </p:nvGrpSpPr>
+      <p:grpSpPr>
+        <a:xfrm>
+          <a:off x="0" y="0"/>
+          <a:ext cx="0" cy="0"/>
+          <a:chOff x="0" y="0"/>
+          <a:chExt cx="0" cy="0"/>
+        </a:xfrm>
+      </p:grpSpPr>
+      <p:sp>
+        <p:nvSpPr>
+          <p:cNvPr id="2" name="Title 1"/>
+          <p:cNvSpPr>
+            <a:spLocks noGrp="1"/>
+          </p:cNvSpPr>
+          <p:nvPr>
+            <p:ph type="title"/>
+          </p:nvPr>
+        </p:nvSpPr>
+        <p:spPr>
+          <a:xfrm>
+            <a:off x="457200" y="699261"/>
+            <a:ext cx="8229600" cy="739014"/>
+          </a:xfrm>
+        </p:spPr>
+        <p:txBody>
+          <a:bodyPr/>
+          <a:lstStyle/>
+          <a:p>
+            <a:r>
+              <a:rPr lang="en-US" b="1" dirty="0"/>
+              <a:t>Mock Object</a:t>
+            </a:r>
+          </a:p>
+        </p:txBody>
+      </p:sp>
+      <p:sp>
+        <p:nvSpPr>
+          <p:cNvPr id="3" name="Content Placeholder 2"/>
+          <p:cNvSpPr>
+            <a:spLocks noGrp="1"/>
+          </p:cNvSpPr>
+          <p:nvPr>
+            <p:ph idx="1"/>
+          </p:nvPr>
+        </p:nvSpPr>
+        <p:spPr>
+          <a:xfrm>
+            <a:off x="457200" y="1811743"/>
+            <a:ext cx="8454788" cy="4157663"/>
+          </a:xfrm>
+        </p:spPr>
+        <p:txBody>
+          <a:bodyPr/>
+          <a:lstStyle/>
+          <a:p>
+            <a:r>
+              <a:rPr lang="en-US" sz="2800" dirty="0"/>
+              <a:t>A mock object is </a:t>
+            </a:r>
+            <a:r>
+              <a:rPr lang="en-US" sz="2800" dirty="0" smtClean="0"/>
+              <a:t>an </a:t>
+            </a:r>
+            <a:r>
+              <a:rPr lang="en-US" sz="2800" dirty="0"/>
+              <a:t>object that extends the class you </a:t>
+            </a:r>
+            <a:r>
+              <a:rPr lang="en-US" sz="2800" dirty="0" smtClean="0"/>
+              <a:t>define</a:t>
+            </a:r>
+          </a:p>
+          <a:p>
+            <a:endParaRPr lang="en-US" sz="2800" dirty="0"/>
+          </a:p>
+          <a:p>
+            <a:r>
+              <a:rPr lang="en-US" sz="2800" dirty="0" smtClean="0"/>
+              <a:t>Allows to </a:t>
+            </a:r>
+            <a:r>
+              <a:rPr lang="en-US" sz="2800" dirty="0"/>
+              <a:t>perform nifty tricks and assertions on it.</a:t>
+            </a:r>
+            <a:endParaRPr lang="en-US" sz="2800" dirty="0">
+              <a:latin typeface="Calibri" panose="020F0502020204030204" pitchFamily="34" charset="0"/>
+            </a:endParaRPr>
+          </a:p>
+        </p:txBody>
+      </p:sp>
+    </p:spTree>
+    <p:extLst>
+      <p:ext uri="{BB962C8B-B14F-4D97-AF65-F5344CB8AC3E}">
+        <p14:creationId xmlns:p14="http://schemas.microsoft.com/office/powerpoint/2010/main" val="1021117514"/>
+      </p:ext>
+    </p:extLst>
+  </p:cSld>
+  <p:clrMapOvr>
+    <a:masterClrMapping/>
+  </p:clrMapOvr>
+  <mc:AlternateContent xmlns:mc="http://schemas.openxmlformats.org/markup-compatibility/2006" xmlns:p14="http://schemas.microsoft.com/office/powerpoint/2010/main">
+    <mc:Choice Requires="p14">
+      <p:transition p14:dur="100">
+        <p:cut/>
+      </p:transition>
+    </mc:Choice>
+    <mc:Fallback xmlns="">
+      <p:transition>
+        <p:cut/>
+      </p:transition>
+    </mc:Fallback>
+  </mc:AlternateContent>
+  <p:timing>
+    <p:tnLst>
+      <p:par>
+        <p:cTn id="1" dur="indefinite" restart="never" nodeType="tmRoot"/>
+      </p:par>
+    </p:tnLst>
+  </p:timing>
+</p:sld>
+</file>
+
+<file path=ppt/slides/slide16.xml><?xml version="1.0" encoding="utf-8"?>
+<p:sld xmlns:a="http://schemas.openxmlformats.org/drawingml/2006/main" xmlns:r="http://schemas.openxmlformats.org/officeDocument/2006/relationships" xmlns:p="http://schemas.openxmlformats.org/presentationml/2006/main">
+  <p:cSld>
+    <p:spTree>
+      <p:nvGrpSpPr>
+        <p:cNvPr id="1" name=""/>
+        <p:cNvGrpSpPr/>
+        <p:nvPr/>
+      </p:nvGrpSpPr>
+      <p:grpSpPr>
+        <a:xfrm>
+          <a:off x="0" y="0"/>
+          <a:ext cx="0" cy="0"/>
+          <a:chOff x="0" y="0"/>
+          <a:chExt cx="0" cy="0"/>
+        </a:xfrm>
+      </p:grpSpPr>
+      <p:sp>
+        <p:nvSpPr>
+          <p:cNvPr id="2" name="Title 1"/>
+          <p:cNvSpPr>
+            <a:spLocks noGrp="1"/>
+          </p:cNvSpPr>
+          <p:nvPr>
+            <p:ph type="title"/>
+          </p:nvPr>
+        </p:nvSpPr>
+        <p:spPr>
+          <a:xfrm>
+            <a:off x="457200" y="699261"/>
+            <a:ext cx="8229600" cy="739014"/>
+          </a:xfrm>
+        </p:spPr>
+        <p:txBody>
+          <a:bodyPr/>
+          <a:lstStyle/>
+          <a:p>
+            <a:r>
+              <a:rPr lang="en-US" b="1" dirty="0"/>
+              <a:t>Stub Method</a:t>
+            </a:r>
+          </a:p>
+        </p:txBody>
+      </p:sp>
+      <p:sp>
+        <p:nvSpPr>
+          <p:cNvPr id="3" name="Content Placeholder 2"/>
+          <p:cNvSpPr>
+            <a:spLocks noGrp="1"/>
+          </p:cNvSpPr>
+          <p:nvPr>
+            <p:ph idx="1"/>
+          </p:nvPr>
+        </p:nvSpPr>
+        <p:spPr>
+          <a:xfrm>
+            <a:off x="457200" y="1811743"/>
+            <a:ext cx="8454788" cy="4157663"/>
+          </a:xfrm>
+        </p:spPr>
+        <p:txBody>
+          <a:bodyPr/>
+          <a:lstStyle/>
+          <a:p>
+            <a:r>
+              <a:rPr lang="en-US" sz="2800" dirty="0" smtClean="0"/>
+              <a:t>A </a:t>
+            </a:r>
+            <a:r>
+              <a:rPr lang="en-US" sz="2800" dirty="0"/>
+              <a:t>stub method is a method contained within a mock object that returns </a:t>
+            </a:r>
+            <a:r>
+              <a:rPr lang="en-US" sz="2800" dirty="0"/>
+              <a:t>null</a:t>
+            </a:r>
+            <a:r>
+              <a:rPr lang="en-US" sz="2800" dirty="0"/>
+              <a:t> by </a:t>
+            </a:r>
+            <a:r>
+              <a:rPr lang="en-US" sz="2800" dirty="0" smtClean="0"/>
+              <a:t>default</a:t>
+            </a:r>
+          </a:p>
+          <a:p>
+            <a:endParaRPr lang="en-US" sz="2800" dirty="0"/>
+          </a:p>
+          <a:p>
+            <a:r>
+              <a:rPr lang="en-US" sz="2800" dirty="0" smtClean="0"/>
+              <a:t>But </a:t>
+            </a:r>
+            <a:r>
+              <a:rPr lang="en-US" sz="2800" dirty="0"/>
+              <a:t>allows you to easily override the return value.</a:t>
+            </a:r>
+            <a:endParaRPr lang="en-US" sz="2800" dirty="0">
+              <a:latin typeface="Calibri" panose="020F0502020204030204" pitchFamily="34" charset="0"/>
+            </a:endParaRPr>
+          </a:p>
+        </p:txBody>
+      </p:sp>
+    </p:spTree>
+    <p:extLst>
+      <p:ext uri="{BB962C8B-B14F-4D97-AF65-F5344CB8AC3E}">
+        <p14:creationId xmlns:p14="http://schemas.microsoft.com/office/powerpoint/2010/main" val="2935012322"/>
+      </p:ext>
+    </p:extLst>
+  </p:cSld>
+  <p:clrMapOvr>
+    <a:masterClrMapping/>
+  </p:clrMapOvr>
+  <mc:AlternateContent xmlns:mc="http://schemas.openxmlformats.org/markup-compatibility/2006" xmlns:p14="http://schemas.microsoft.com/office/powerpoint/2010/main">
+    <mc:Choice Requires="p14">
+      <p:transition p14:dur="100">
+        <p:cut/>
+      </p:transition>
+    </mc:Choice>
+    <mc:Fallback xmlns="">
+      <p:transition>
+        <p:cut/>
+      </p:transition>
+    </mc:Fallback>
+  </mc:AlternateContent>
+  <p:timing>
+    <p:tnLst>
+      <p:par>
+        <p:cTn id="1" dur="indefinite" restart="never" nodeType="tmRoot"/>
+      </p:par>
+    </p:tnLst>
+  </p:timing>
+</p:sld>
+</file>
+
+<file path=ppt/slides/slide17.xml><?xml version="1.0" encoding="utf-8"?>
+<p:sld xmlns:a="http://schemas.openxmlformats.org/drawingml/2006/main" xmlns:r="http://schemas.openxmlformats.org/officeDocument/2006/relationships" xmlns:p="http://schemas.openxmlformats.org/presentationml/2006/main">
+  <p:cSld>
+    <p:spTree>
+      <p:nvGrpSpPr>
+        <p:cNvPr id="1" name=""/>
+        <p:cNvGrpSpPr/>
+        <p:nvPr/>
+      </p:nvGrpSpPr>
+      <p:grpSpPr>
+        <a:xfrm>
+          <a:off x="0" y="0"/>
+          <a:ext cx="0" cy="0"/>
+          <a:chOff x="0" y="0"/>
+          <a:chExt cx="0" cy="0"/>
+        </a:xfrm>
+      </p:grpSpPr>
+      <p:sp>
+        <p:nvSpPr>
+          <p:cNvPr id="2" name="Title 1"/>
+          <p:cNvSpPr>
+            <a:spLocks noGrp="1"/>
+          </p:cNvSpPr>
+          <p:nvPr>
+            <p:ph type="title"/>
+          </p:nvPr>
+        </p:nvSpPr>
+        <p:spPr>
+          <a:xfrm>
+            <a:off x="457200" y="699261"/>
+            <a:ext cx="8229600" cy="739014"/>
+          </a:xfrm>
+        </p:spPr>
+        <p:txBody>
+          <a:bodyPr/>
+          <a:lstStyle/>
+          <a:p>
+            <a:r>
+              <a:rPr lang="en-US" b="1" dirty="0"/>
+              <a:t>Mock Method</a:t>
+            </a:r>
+          </a:p>
+        </p:txBody>
+      </p:sp>
+      <p:sp>
+        <p:nvSpPr>
+          <p:cNvPr id="3" name="Content Placeholder 2"/>
+          <p:cNvSpPr>
+            <a:spLocks noGrp="1"/>
+          </p:cNvSpPr>
+          <p:nvPr>
+            <p:ph idx="1"/>
+          </p:nvPr>
+        </p:nvSpPr>
+        <p:spPr>
+          <a:xfrm>
+            <a:off x="457200" y="1811743"/>
+            <a:ext cx="8454788" cy="4157663"/>
+          </a:xfrm>
+        </p:spPr>
+        <p:txBody>
+          <a:bodyPr/>
+          <a:lstStyle/>
+          <a:p>
+            <a:r>
+              <a:rPr lang="en-US" sz="2800" dirty="0" smtClean="0"/>
+              <a:t>It </a:t>
+            </a:r>
+            <a:r>
+              <a:rPr lang="en-US" sz="2800" dirty="0"/>
+              <a:t>does the exact same thing its original method </a:t>
+            </a:r>
+            <a:r>
+              <a:rPr lang="en-US" sz="2800" dirty="0" smtClean="0"/>
+              <a:t>does</a:t>
+            </a:r>
+          </a:p>
+          <a:p>
+            <a:endParaRPr lang="en-US" sz="2800" dirty="0"/>
+          </a:p>
+          <a:p>
+            <a:r>
+              <a:rPr lang="en-US" sz="2800" dirty="0" smtClean="0"/>
+              <a:t>Any </a:t>
+            </a:r>
+            <a:r>
+              <a:rPr lang="en-US" sz="2800" dirty="0"/>
+              <a:t>code that is in the method you are mocking will </a:t>
+            </a:r>
+            <a:r>
+              <a:rPr lang="en-US" sz="2800" dirty="0" smtClean="0"/>
+              <a:t>run actual code and </a:t>
+            </a:r>
+            <a:r>
+              <a:rPr lang="en-US" sz="2800" dirty="0"/>
+              <a:t>will not return </a:t>
+            </a:r>
+            <a:r>
+              <a:rPr lang="en-US" sz="2800" dirty="0"/>
+              <a:t>null</a:t>
+            </a:r>
+            <a:r>
+              <a:rPr lang="en-US" sz="2800" dirty="0"/>
+              <a:t> by </a:t>
+            </a:r>
+            <a:r>
+              <a:rPr lang="en-US" sz="2800" dirty="0" smtClean="0"/>
+              <a:t>default</a:t>
+            </a:r>
+            <a:endParaRPr lang="en-US" sz="2800" dirty="0">
+              <a:latin typeface="Calibri" panose="020F0502020204030204" pitchFamily="34" charset="0"/>
+            </a:endParaRPr>
+          </a:p>
+        </p:txBody>
+      </p:sp>
+    </p:spTree>
+    <p:extLst>
+      <p:ext uri="{BB962C8B-B14F-4D97-AF65-F5344CB8AC3E}">
+        <p14:creationId xmlns:p14="http://schemas.microsoft.com/office/powerpoint/2010/main" val="3133109937"/>
+      </p:ext>
+    </p:extLst>
+  </p:cSld>
+  <p:clrMapOvr>
+    <a:masterClrMapping/>
+  </p:clrMapOvr>
+  <mc:AlternateContent xmlns:mc="http://schemas.openxmlformats.org/markup-compatibility/2006" xmlns:p14="http://schemas.microsoft.com/office/powerpoint/2010/main">
+    <mc:Choice Requires="p14">
+      <p:transition p14:dur="100">
+        <p:cut/>
+      </p:transition>
+    </mc:Choice>
+    <mc:Fallback xmlns="">
+      <p:transition>
+        <p:cut/>
+      </p:transition>
+    </mc:Fallback>
+  </mc:AlternateContent>
+  <p:timing>
+    <p:tnLst>
+      <p:par>
+        <p:cTn id="1" dur="indefinite" restart="never" nodeType="tmRoot"/>
+      </p:par>
+    </p:tnLst>
+  </p:timing>
+</p:sld>
+</file>
+
+<file path=ppt/slides/slide18.xml><?xml version="1.0" encoding="utf-8"?>
+<p:sld xmlns:a="http://schemas.openxmlformats.org/drawingml/2006/main" xmlns:r="http://schemas.openxmlformats.org/officeDocument/2006/relationships" xmlns:p="http://schemas.openxmlformats.org/presentationml/2006/main">
+  <p:cSld>
+    <p:spTree>
+      <p:nvGrpSpPr>
+        <p:cNvPr id="1" name=""/>
+        <p:cNvGrpSpPr/>
+        <p:nvPr/>
+      </p:nvGrpSpPr>
+      <p:grpSpPr>
+        <a:xfrm>
+          <a:off x="0" y="0"/>
+          <a:ext cx="0" cy="0"/>
+          <a:chOff x="0" y="0"/>
+          <a:chExt cx="0" cy="0"/>
+        </a:xfrm>
+      </p:grpSpPr>
+      <p:pic>
+        <p:nvPicPr>
+          <p:cNvPr id="7" name="Picture 6"/>
+          <p:cNvPicPr>
+            <a:picLocks noChangeAspect="1"/>
+          </p:cNvPicPr>
+          <p:nvPr/>
+        </p:nvPicPr>
+        <p:blipFill>
+          <a:blip r:embed="rId2"/>
+          <a:stretch>
+            <a:fillRect/>
+          </a:stretch>
+        </p:blipFill>
+        <p:spPr>
+          <a:xfrm>
+            <a:off x="508000" y="1397000"/>
+            <a:ext cx="8128000" cy="4064000"/>
+          </a:xfrm>
+          <a:prstGeom prst="rect">
+            <a:avLst/>
+          </a:prstGeom>
+        </p:spPr>
+      </p:pic>
+    </p:spTree>
+    <p:extLst>
+      <p:ext uri="{BB962C8B-B14F-4D97-AF65-F5344CB8AC3E}">
+        <p14:creationId xmlns:p14="http://schemas.microsoft.com/office/powerpoint/2010/main" val="2972145195"/>
+      </p:ext>
+    </p:extLst>
+  </p:cSld>
+  <p:clrMapOvr>
+    <a:masterClrMapping/>
+  </p:clrMapOvr>
+  <mc:AlternateContent xmlns:mc="http://schemas.openxmlformats.org/markup-compatibility/2006" xmlns:p14="http://schemas.microsoft.com/office/powerpoint/2010/main">
+    <mc:Choice Requires="p14">
+      <p:transition p14:dur="100">
+        <p:cut/>
+      </p:transition>
+    </mc:Choice>
+    <mc:Fallback xmlns="">
+      <p:transition>
+        <p:cut/>
+      </p:transition>
+    </mc:Fallback>
+  </mc:AlternateContent>
+  <p:timing>
+    <p:tnLst>
+      <p:par>
+        <p:cTn id="1" dur="indefinite" restart="never" nodeType="tmRoot"/>
+      </p:par>
+    </p:tnLst>
+  </p:timing>
+</p:sld>
+</file>
+
+<file path=ppt/slides/slide19.xml><?xml version="1.0" encoding="utf-8"?>
+<p:sld xmlns:a="http://schemas.openxmlformats.org/drawingml/2006/main" xmlns:r="http://schemas.openxmlformats.org/officeDocument/2006/relationships" xmlns:p="http://schemas.openxmlformats.org/presentationml/2006/main">
+  <p:cSld>
+    <p:spTree>
+      <p:nvGrpSpPr>
+        <p:cNvPr id="1" name=""/>
+        <p:cNvGrpSpPr/>
+        <p:nvPr/>
+      </p:nvGrpSpPr>
+      <p:grpSpPr>
+        <a:xfrm>
+          <a:off x="0" y="0"/>
+          <a:ext cx="0" cy="0"/>
+          <a:chOff x="0" y="0"/>
+          <a:chExt cx="0" cy="0"/>
+        </a:xfrm>
+      </p:grpSpPr>
+      <p:sp>
+        <p:nvSpPr>
+          <p:cNvPr id="2" name="Title 1"/>
+          <p:cNvSpPr>
+            <a:spLocks noGrp="1"/>
+          </p:cNvSpPr>
+          <p:nvPr>
             <p:ph type="ctrTitle"/>
           </p:nvPr>
         </p:nvSpPr>
@@ -5147,7 +7640,13 @@
             </a:endParaRPr>
           </a:p>
           <a:p>
-            <a:endParaRPr lang="en-US" sz="2600" dirty="0">
+            <a:r>
+              <a:rPr lang="en-US" sz="3200" dirty="0" err="1">
+                <a:latin typeface="Calibri" panose="020F0502020204030204" pitchFamily="34" charset="0"/>
+              </a:rPr>
+              <a:t>expectOutputString</a:t>
+            </a:r>
+            <a:endParaRPr lang="en-US" sz="3200" dirty="0">
               <a:latin typeface="Calibri" panose="020F0502020204030204" pitchFamily="34" charset="0"/>
             </a:endParaRPr>
           </a:p>
@@ -6120,34 +8619,128 @@
           <a:chExt cx="0" cy="0"/>
         </a:xfrm>
       </p:grpSpPr>
+      <p:sp>
+        <p:nvSpPr>
+          <p:cNvPr id="2" name="Title 1"/>
+          <p:cNvSpPr>
+            <a:spLocks noGrp="1"/>
+          </p:cNvSpPr>
+          <p:nvPr>
+            <p:ph type="title"/>
+          </p:nvPr>
+        </p:nvSpPr>
+        <p:spPr>
+          <a:xfrm>
+            <a:off x="457200" y="554819"/>
+            <a:ext cx="8229600" cy="739014"/>
+          </a:xfrm>
+        </p:spPr>
+        <p:txBody>
+          <a:bodyPr/>
+          <a:lstStyle/>
+          <a:p>
+            <a:r>
+              <a:rPr lang="en-US" dirty="0" smtClean="0">
+                <a:latin typeface="Calibri" panose="020F0502020204030204" pitchFamily="34" charset="0"/>
+              </a:rPr>
+              <a:t>Dependency Test</a:t>
+            </a:r>
+            <a:endParaRPr lang="en-US" dirty="0">
+              <a:latin typeface="Calibri" panose="020F0502020204030204" pitchFamily="34" charset="0"/>
+            </a:endParaRPr>
+          </a:p>
+        </p:txBody>
+      </p:sp>
+      <p:sp>
+        <p:nvSpPr>
+          <p:cNvPr id="3" name="Content Placeholder 2"/>
+          <p:cNvSpPr>
+            <a:spLocks noGrp="1"/>
+          </p:cNvSpPr>
+          <p:nvPr>
+            <p:ph idx="1"/>
+          </p:nvPr>
+        </p:nvSpPr>
+        <p:spPr>
+          <a:xfrm>
+            <a:off x="457200" y="1811743"/>
+            <a:ext cx="8229600" cy="4157663"/>
+          </a:xfrm>
+        </p:spPr>
+        <p:txBody>
+          <a:bodyPr/>
+          <a:lstStyle/>
+          <a:p>
+            <a:pPr marL="0" indent="0">
+              <a:buNone/>
+            </a:pPr>
+            <a:r>
+              <a:rPr lang="en-US" sz="3000" dirty="0">
+                <a:latin typeface="Calibri" panose="020F0502020204030204" pitchFamily="34" charset="0"/>
+              </a:rPr>
+              <a:t/>
+            </a:r>
+            <a:br>
+              <a:rPr lang="en-US" sz="3000" dirty="0">
+                <a:latin typeface="Calibri" panose="020F0502020204030204" pitchFamily="34" charset="0"/>
+              </a:rPr>
+            </a:br>
+            <a:endParaRPr lang="en-US" sz="3000" dirty="0">
+              <a:latin typeface="Calibri" panose="020F0502020204030204" pitchFamily="34" charset="0"/>
+            </a:endParaRPr>
+          </a:p>
+          <a:p>
+            <a:endParaRPr lang="en-US" sz="2600" dirty="0">
+              <a:latin typeface="Calibri" panose="020F0502020204030204" pitchFamily="34" charset="0"/>
+            </a:endParaRPr>
+          </a:p>
+        </p:txBody>
+      </p:sp>
       <p:pic>
         <p:nvPicPr>
-          <p:cNvPr id="7" name="Picture 6"/>
+          <p:cNvPr id="1026" name="Picture 2" descr="C:\Users\quangson\Desktop\Capture1.JPG"/>
           <p:cNvPicPr>
-            <a:picLocks noChangeAspect="1"/>
+            <a:picLocks noChangeAspect="1" noChangeArrowheads="1"/>
           </p:cNvPicPr>
           <p:nvPr/>
         </p:nvPicPr>
         <p:blipFill>
-          <a:blip r:embed="rId2"/>
+          <a:blip r:embed="rId3">
+            <a:extLst>
+              <a:ext uri="{28A0092B-C50C-407E-A947-70E740481C1C}">
+                <a14:useLocalDpi xmlns:a14="http://schemas.microsoft.com/office/drawing/2010/main" val="0"/>
+              </a:ext>
+            </a:extLst>
+          </a:blip>
+          <a:srcRect/>
           <a:stretch>
             <a:fillRect/>
           </a:stretch>
         </p:blipFill>
-        <p:spPr>
+        <p:spPr bwMode="auto">
           <a:xfrm>
-            <a:off x="508000" y="1397000"/>
-            <a:ext cx="8128000" cy="4064000"/>
+            <a:off x="0" y="1460310"/>
+            <a:ext cx="9144000" cy="5332648"/>
           </a:xfrm>
           <a:prstGeom prst="rect">
             <a:avLst/>
           </a:prstGeom>
+          <a:noFill/>
+          <a:extLst>
+            <a:ext uri="{909E8E84-426E-40DD-AFC4-6F175D3DCCD1}">
+              <a14:hiddenFill xmlns:a14="http://schemas.microsoft.com/office/drawing/2010/main">
+                <a:solidFill>
+                  <a:srgbClr val="FFFFFF"/>
+                </a:solidFill>
+              </a14:hiddenFill>
+            </a:ext>
+          </a:extLst>
         </p:spPr>
       </p:pic>
     </p:spTree>
     <p:extLst>
       <p:ext uri="{BB962C8B-B14F-4D97-AF65-F5344CB8AC3E}">
-        <p14:creationId xmlns:p14="http://schemas.microsoft.com/office/powerpoint/2010/main" val="2972145195"/>
+        <p14:creationId xmlns:p14="http://schemas.microsoft.com/office/powerpoint/2010/main" val="3281618130"/>
       </p:ext>
     </p:extLst>
   </p:cSld>
